--- a/기획서/Shop UI V1.0.pptx
+++ b/기획서/Shop UI V1.0.pptx
@@ -8,6 +8,9 @@
     <p:sldId id="256" r:id="rId2"/>
     <p:sldId id="257" r:id="rId3"/>
     <p:sldId id="258" r:id="rId4"/>
+    <p:sldId id="259" r:id="rId5"/>
+    <p:sldId id="260" r:id="rId6"/>
+    <p:sldId id="261" r:id="rId7"/>
   </p:sldIdLst>
   <p:sldSz cx="12192000" cy="6858000"/>
   <p:notesSz cx="6858000" cy="9144000"/>
@@ -106,13 +109,18 @@
       </a:defRPr>
     </a:lvl9pPr>
   </p:defaultTextStyle>
+  <p:extLst>
+    <p:ext uri="{EFAFB233-063F-42B5-8137-9DF3F51BA10A}">
+      <p15:sldGuideLst xmlns:p15="http://schemas.microsoft.com/office/powerpoint/2012/main"/>
+    </p:ext>
+  </p:extLst>
 </p:presentation>
 </file>
 
 <file path=ppt/revisionInfo.xml><?xml version="1.0" encoding="utf-8"?>
 <p1510:revInfo xmlns:a="http://schemas.openxmlformats.org/drawingml/2006/main" xmlns:r="http://schemas.openxmlformats.org/officeDocument/2006/relationships" xmlns:p1510="http://schemas.microsoft.com/office/powerpoint/2015/10/main">
   <p1510:revLst>
-    <p1510:client id="{AC36A845-921E-4C97-ABC4-8E7026EF28B2}" v="15" dt="2019-04-17T00:56:58.227"/>
+    <p1510:client id="{AC36A845-921E-4C97-ABC4-8E7026EF28B2}" v="193" dt="2019-04-17T02:47:38.221"/>
   </p1510:revLst>
 </p1510:revInfo>
 </file>
@@ -121,8 +129,8 @@
 <pc:chgInfo xmlns:a="http://schemas.openxmlformats.org/drawingml/2006/main" xmlns:r="http://schemas.openxmlformats.org/officeDocument/2006/relationships" xmlns:ac="http://schemas.microsoft.com/office/drawing/2013/main/command" xmlns:pc="http://schemas.microsoft.com/office/powerpoint/2013/main/command">
   <pc:docChgLst>
     <pc:chgData name="K Chris" userId="7f9e1bb7b6b0c2b3" providerId="LiveId" clId="{AC36A845-921E-4C97-ABC4-8E7026EF28B2}"/>
-    <pc:docChg chg="custSel addSld modSld">
-      <pc:chgData name="K Chris" userId="7f9e1bb7b6b0c2b3" providerId="LiveId" clId="{AC36A845-921E-4C97-ABC4-8E7026EF28B2}" dt="2019-04-17T00:57:04.961" v="187" actId="478"/>
+    <pc:docChg chg="undo custSel addSld delSld modSld">
+      <pc:chgData name="K Chris" userId="7f9e1bb7b6b0c2b3" providerId="LiveId" clId="{AC36A845-921E-4C97-ABC4-8E7026EF28B2}" dt="2019-04-17T02:47:38.227" v="1922" actId="20577"/>
       <pc:docMkLst>
         <pc:docMk/>
       </pc:docMkLst>
@@ -196,18 +204,34 @@
           </ac:cxnSpMkLst>
         </pc:cxnChg>
       </pc:sldChg>
-      <pc:sldChg chg="delSp modSp add">
-        <pc:chgData name="K Chris" userId="7f9e1bb7b6b0c2b3" providerId="LiveId" clId="{AC36A845-921E-4C97-ABC4-8E7026EF28B2}" dt="2019-04-17T00:57:04.961" v="187" actId="478"/>
+      <pc:sldChg chg="addSp delSp modSp add">
+        <pc:chgData name="K Chris" userId="7f9e1bb7b6b0c2b3" providerId="LiveId" clId="{AC36A845-921E-4C97-ABC4-8E7026EF28B2}" dt="2019-04-17T01:56:03.646" v="871"/>
         <pc:sldMkLst>
           <pc:docMk/>
           <pc:sldMk cId="3171307329" sldId="258"/>
         </pc:sldMkLst>
         <pc:spChg chg="mod">
-          <ac:chgData name="K Chris" userId="7f9e1bb7b6b0c2b3" providerId="LiveId" clId="{AC36A845-921E-4C97-ABC4-8E7026EF28B2}" dt="2019-04-17T00:56:59.945" v="185" actId="20577"/>
+          <ac:chgData name="K Chris" userId="7f9e1bb7b6b0c2b3" providerId="LiveId" clId="{AC36A845-921E-4C97-ABC4-8E7026EF28B2}" dt="2019-04-17T01:49:29.917" v="201" actId="14100"/>
           <ac:spMkLst>
             <pc:docMk/>
             <pc:sldMk cId="3171307329" sldId="258"/>
             <ac:spMk id="4" creationId="{F38F34CB-158E-49E5-B7C6-F367CD51856C}"/>
+          </ac:spMkLst>
+        </pc:spChg>
+        <pc:spChg chg="add mod">
+          <ac:chgData name="K Chris" userId="7f9e1bb7b6b0c2b3" providerId="LiveId" clId="{AC36A845-921E-4C97-ABC4-8E7026EF28B2}" dt="2019-04-17T01:49:21.751" v="200" actId="1582"/>
+          <ac:spMkLst>
+            <pc:docMk/>
+            <pc:sldMk cId="3171307329" sldId="258"/>
+            <ac:spMk id="5" creationId="{8B75F0C4-DC7F-4D43-83C1-2026E7E4407B}"/>
+          </ac:spMkLst>
+        </pc:spChg>
+        <pc:spChg chg="add mod">
+          <ac:chgData name="K Chris" userId="7f9e1bb7b6b0c2b3" providerId="LiveId" clId="{AC36A845-921E-4C97-ABC4-8E7026EF28B2}" dt="2019-04-17T01:50:08.480" v="287" actId="1076"/>
+          <ac:spMkLst>
+            <pc:docMk/>
+            <pc:sldMk cId="3171307329" sldId="258"/>
+            <ac:spMk id="7" creationId="{33BB5A88-6978-4386-B8AE-59B79612B631}"/>
           </ac:spMkLst>
         </pc:spChg>
         <pc:graphicFrameChg chg="del modGraphic">
@@ -218,6 +242,826 @@
             <ac:graphicFrameMk id="8" creationId="{AB497877-4D6E-4D6F-9DB0-7886F0F2A325}"/>
           </ac:graphicFrameMkLst>
         </pc:graphicFrameChg>
+        <pc:picChg chg="add mod">
+          <ac:chgData name="K Chris" userId="7f9e1bb7b6b0c2b3" providerId="LiveId" clId="{AC36A845-921E-4C97-ABC4-8E7026EF28B2}" dt="2019-04-17T01:48:39.095" v="189" actId="1076"/>
+          <ac:picMkLst>
+            <pc:docMk/>
+            <pc:sldMk cId="3171307329" sldId="258"/>
+            <ac:picMk id="3" creationId="{1EEAD70F-2180-4330-AC09-9F8100E1B353}"/>
+          </ac:picMkLst>
+        </pc:picChg>
+        <pc:picChg chg="add del mod">
+          <ac:chgData name="K Chris" userId="7f9e1bb7b6b0c2b3" providerId="LiveId" clId="{AC36A845-921E-4C97-ABC4-8E7026EF28B2}" dt="2019-04-17T01:51:08.415" v="296"/>
+          <ac:picMkLst>
+            <pc:docMk/>
+            <pc:sldMk cId="3171307329" sldId="258"/>
+            <ac:picMk id="12" creationId="{87691E22-75C1-48FC-9C15-E122E1E39E9B}"/>
+          </ac:picMkLst>
+        </pc:picChg>
+        <pc:picChg chg="add del mod">
+          <ac:chgData name="K Chris" userId="7f9e1bb7b6b0c2b3" providerId="LiveId" clId="{AC36A845-921E-4C97-ABC4-8E7026EF28B2}" dt="2019-04-17T01:56:03.646" v="871"/>
+          <ac:picMkLst>
+            <pc:docMk/>
+            <pc:sldMk cId="3171307329" sldId="258"/>
+            <ac:picMk id="13" creationId="{64445F34-D987-4567-BD36-3981029F1F22}"/>
+          </ac:picMkLst>
+        </pc:picChg>
+        <pc:cxnChg chg="add mod">
+          <ac:chgData name="K Chris" userId="7f9e1bb7b6b0c2b3" providerId="LiveId" clId="{AC36A845-921E-4C97-ABC4-8E7026EF28B2}" dt="2019-04-17T01:50:08.480" v="287" actId="1076"/>
+          <ac:cxnSpMkLst>
+            <pc:docMk/>
+            <pc:sldMk cId="3171307329" sldId="258"/>
+            <ac:cxnSpMk id="9" creationId="{75A93562-6529-4882-8999-840B816A5D11}"/>
+          </ac:cxnSpMkLst>
+        </pc:cxnChg>
+      </pc:sldChg>
+      <pc:sldChg chg="addSp delSp modSp add">
+        <pc:chgData name="K Chris" userId="7f9e1bb7b6b0c2b3" providerId="LiveId" clId="{AC36A845-921E-4C97-ABC4-8E7026EF28B2}" dt="2019-04-17T02:47:38.227" v="1922" actId="20577"/>
+        <pc:sldMkLst>
+          <pc:docMk/>
+          <pc:sldMk cId="2931809774" sldId="259"/>
+        </pc:sldMkLst>
+        <pc:spChg chg="del">
+          <ac:chgData name="K Chris" userId="7f9e1bb7b6b0c2b3" providerId="LiveId" clId="{AC36A845-921E-4C97-ABC4-8E7026EF28B2}" dt="2019-04-17T01:50:15.448" v="289" actId="478"/>
+          <ac:spMkLst>
+            <pc:docMk/>
+            <pc:sldMk cId="2931809774" sldId="259"/>
+            <ac:spMk id="5" creationId="{8B75F0C4-DC7F-4D43-83C1-2026E7E4407B}"/>
+          </ac:spMkLst>
+        </pc:spChg>
+        <pc:spChg chg="mod">
+          <ac:chgData name="K Chris" userId="7f9e1bb7b6b0c2b3" providerId="LiveId" clId="{AC36A845-921E-4C97-ABC4-8E7026EF28B2}" dt="2019-04-17T01:53:29.652" v="712" actId="1076"/>
+          <ac:spMkLst>
+            <pc:docMk/>
+            <pc:sldMk cId="2931809774" sldId="259"/>
+            <ac:spMk id="7" creationId="{33BB5A88-6978-4386-B8AE-59B79612B631}"/>
+          </ac:spMkLst>
+        </pc:spChg>
+        <pc:spChg chg="add mod">
+          <ac:chgData name="K Chris" userId="7f9e1bb7b6b0c2b3" providerId="LiveId" clId="{AC36A845-921E-4C97-ABC4-8E7026EF28B2}" dt="2019-04-17T01:53:29.652" v="712" actId="1076"/>
+          <ac:spMkLst>
+            <pc:docMk/>
+            <pc:sldMk cId="2931809774" sldId="259"/>
+            <ac:spMk id="11" creationId="{8F2D8F17-D2B7-4C27-B024-D344D919BA8C}"/>
+          </ac:spMkLst>
+        </pc:spChg>
+        <pc:spChg chg="add mod">
+          <ac:chgData name="K Chris" userId="7f9e1bb7b6b0c2b3" providerId="LiveId" clId="{AC36A845-921E-4C97-ABC4-8E7026EF28B2}" dt="2019-04-17T02:47:38.227" v="1922" actId="20577"/>
+          <ac:spMkLst>
+            <pc:docMk/>
+            <pc:sldMk cId="2931809774" sldId="259"/>
+            <ac:spMk id="12" creationId="{2723D232-A5EE-4472-AE6B-35955F0F2A55}"/>
+          </ac:spMkLst>
+        </pc:spChg>
+        <pc:spChg chg="add mod">
+          <ac:chgData name="K Chris" userId="7f9e1bb7b6b0c2b3" providerId="LiveId" clId="{AC36A845-921E-4C97-ABC4-8E7026EF28B2}" dt="2019-04-17T01:54:43.811" v="738" actId="1076"/>
+          <ac:spMkLst>
+            <pc:docMk/>
+            <pc:sldMk cId="2931809774" sldId="259"/>
+            <ac:spMk id="13" creationId="{3171D712-7295-49EA-965E-A82E0CE5D592}"/>
+          </ac:spMkLst>
+        </pc:spChg>
+        <pc:spChg chg="add mod">
+          <ac:chgData name="K Chris" userId="7f9e1bb7b6b0c2b3" providerId="LiveId" clId="{AC36A845-921E-4C97-ABC4-8E7026EF28B2}" dt="2019-04-17T01:55:21.155" v="855" actId="1076"/>
+          <ac:spMkLst>
+            <pc:docMk/>
+            <pc:sldMk cId="2931809774" sldId="259"/>
+            <ac:spMk id="14" creationId="{94A29AE6-CF1C-4BDC-9039-C23122E7F5F8}"/>
+          </ac:spMkLst>
+        </pc:spChg>
+        <pc:spChg chg="add mod">
+          <ac:chgData name="K Chris" userId="7f9e1bb7b6b0c2b3" providerId="LiveId" clId="{AC36A845-921E-4C97-ABC4-8E7026EF28B2}" dt="2019-04-17T01:55:31.622" v="860" actId="1076"/>
+          <ac:spMkLst>
+            <pc:docMk/>
+            <pc:sldMk cId="2931809774" sldId="259"/>
+            <ac:spMk id="15" creationId="{CFC04582-FC1A-44C4-AFF4-349772B23061}"/>
+          </ac:spMkLst>
+        </pc:spChg>
+        <pc:spChg chg="add mod">
+          <ac:chgData name="K Chris" userId="7f9e1bb7b6b0c2b3" providerId="LiveId" clId="{AC36A845-921E-4C97-ABC4-8E7026EF28B2}" dt="2019-04-17T01:53:21.692" v="710" actId="1076"/>
+          <ac:spMkLst>
+            <pc:docMk/>
+            <pc:sldMk cId="2931809774" sldId="259"/>
+            <ac:spMk id="16" creationId="{2ED351F3-2F4F-4E2C-B7BB-4C1A030C53E8}"/>
+          </ac:spMkLst>
+        </pc:spChg>
+        <pc:spChg chg="add mod">
+          <ac:chgData name="K Chris" userId="7f9e1bb7b6b0c2b3" providerId="LiveId" clId="{AC36A845-921E-4C97-ABC4-8E7026EF28B2}" dt="2019-04-17T01:53:44.324" v="718" actId="14100"/>
+          <ac:spMkLst>
+            <pc:docMk/>
+            <pc:sldMk cId="2931809774" sldId="259"/>
+            <ac:spMk id="21" creationId="{537F7C70-C958-41A4-A891-BB2E5EEB946A}"/>
+          </ac:spMkLst>
+        </pc:spChg>
+        <pc:spChg chg="add mod">
+          <ac:chgData name="K Chris" userId="7f9e1bb7b6b0c2b3" providerId="LiveId" clId="{AC36A845-921E-4C97-ABC4-8E7026EF28B2}" dt="2019-04-17T01:55:38.616" v="861" actId="14100"/>
+          <ac:spMkLst>
+            <pc:docMk/>
+            <pc:sldMk cId="2931809774" sldId="259"/>
+            <ac:spMk id="25" creationId="{4D63E019-D335-4D68-A598-937DEC8655F2}"/>
+          </ac:spMkLst>
+        </pc:spChg>
+        <pc:spChg chg="add mod">
+          <ac:chgData name="K Chris" userId="7f9e1bb7b6b0c2b3" providerId="LiveId" clId="{AC36A845-921E-4C97-ABC4-8E7026EF28B2}" dt="2019-04-17T01:54:36.923" v="734" actId="14100"/>
+          <ac:spMkLst>
+            <pc:docMk/>
+            <pc:sldMk cId="2931809774" sldId="259"/>
+            <ac:spMk id="31" creationId="{8BF13E28-9A9E-4974-B4DE-AA8345588C96}"/>
+          </ac:spMkLst>
+        </pc:spChg>
+        <pc:spChg chg="add mod">
+          <ac:chgData name="K Chris" userId="7f9e1bb7b6b0c2b3" providerId="LiveId" clId="{AC36A845-921E-4C97-ABC4-8E7026EF28B2}" dt="2019-04-17T01:55:04.520" v="760" actId="1036"/>
+          <ac:spMkLst>
+            <pc:docMk/>
+            <pc:sldMk cId="2931809774" sldId="259"/>
+            <ac:spMk id="36" creationId="{0D803BB0-4B6B-4361-9B07-4D370F8F4CE6}"/>
+          </ac:spMkLst>
+        </pc:spChg>
+        <pc:spChg chg="add mod">
+          <ac:chgData name="K Chris" userId="7f9e1bb7b6b0c2b3" providerId="LiveId" clId="{AC36A845-921E-4C97-ABC4-8E7026EF28B2}" dt="2019-04-17T01:55:11.151" v="850" actId="1037"/>
+          <ac:spMkLst>
+            <pc:docMk/>
+            <pc:sldMk cId="2931809774" sldId="259"/>
+            <ac:spMk id="37" creationId="{439D7FDF-F3F9-47BC-957B-299E192F8FE4}"/>
+          </ac:spMkLst>
+        </pc:spChg>
+        <pc:picChg chg="del">
+          <ac:chgData name="K Chris" userId="7f9e1bb7b6b0c2b3" providerId="LiveId" clId="{AC36A845-921E-4C97-ABC4-8E7026EF28B2}" dt="2019-04-17T01:51:03.154" v="290" actId="478"/>
+          <ac:picMkLst>
+            <pc:docMk/>
+            <pc:sldMk cId="2931809774" sldId="259"/>
+            <ac:picMk id="3" creationId="{1EEAD70F-2180-4330-AC09-9F8100E1B353}"/>
+          </ac:picMkLst>
+        </pc:picChg>
+        <pc:picChg chg="add del mod">
+          <ac:chgData name="K Chris" userId="7f9e1bb7b6b0c2b3" providerId="LiveId" clId="{AC36A845-921E-4C97-ABC4-8E7026EF28B2}" dt="2019-04-17T01:51:05.920" v="293"/>
+          <ac:picMkLst>
+            <pc:docMk/>
+            <pc:sldMk cId="2931809774" sldId="259"/>
+            <ac:picMk id="8" creationId="{2846C422-5831-4E09-8E68-B5E1662BE09A}"/>
+          </ac:picMkLst>
+        </pc:picChg>
+        <pc:picChg chg="add mod">
+          <ac:chgData name="K Chris" userId="7f9e1bb7b6b0c2b3" providerId="LiveId" clId="{AC36A845-921E-4C97-ABC4-8E7026EF28B2}" dt="2019-04-17T01:54:52.508" v="742" actId="1076"/>
+          <ac:picMkLst>
+            <pc:docMk/>
+            <pc:sldMk cId="2931809774" sldId="259"/>
+            <ac:picMk id="10" creationId="{321D04C1-55AB-455A-B823-DA064576B2AB}"/>
+          </ac:picMkLst>
+        </pc:picChg>
+        <pc:cxnChg chg="del mod">
+          <ac:chgData name="K Chris" userId="7f9e1bb7b6b0c2b3" providerId="LiveId" clId="{AC36A845-921E-4C97-ABC4-8E7026EF28B2}" dt="2019-04-17T01:50:15.448" v="289" actId="478"/>
+          <ac:cxnSpMkLst>
+            <pc:docMk/>
+            <pc:sldMk cId="2931809774" sldId="259"/>
+            <ac:cxnSpMk id="9" creationId="{75A93562-6529-4882-8999-840B816A5D11}"/>
+          </ac:cxnSpMkLst>
+        </pc:cxnChg>
+        <pc:cxnChg chg="add mod">
+          <ac:chgData name="K Chris" userId="7f9e1bb7b6b0c2b3" providerId="LiveId" clId="{AC36A845-921E-4C97-ABC4-8E7026EF28B2}" dt="2019-04-17T01:53:33.676" v="713" actId="14100"/>
+          <ac:cxnSpMkLst>
+            <pc:docMk/>
+            <pc:sldMk cId="2931809774" sldId="259"/>
+            <ac:cxnSpMk id="17" creationId="{6012F45B-CB9F-47D9-8B28-FA115B1FAA62}"/>
+          </ac:cxnSpMkLst>
+        </pc:cxnChg>
+        <pc:cxnChg chg="add mod">
+          <ac:chgData name="K Chris" userId="7f9e1bb7b6b0c2b3" providerId="LiveId" clId="{AC36A845-921E-4C97-ABC4-8E7026EF28B2}" dt="2019-04-17T01:53:49.293" v="720" actId="14100"/>
+          <ac:cxnSpMkLst>
+            <pc:docMk/>
+            <pc:sldMk cId="2931809774" sldId="259"/>
+            <ac:cxnSpMk id="22" creationId="{5B6D1254-A165-42BC-AB51-1003CE41B5AF}"/>
+          </ac:cxnSpMkLst>
+        </pc:cxnChg>
+        <pc:cxnChg chg="add mod">
+          <ac:chgData name="K Chris" userId="7f9e1bb7b6b0c2b3" providerId="LiveId" clId="{AC36A845-921E-4C97-ABC4-8E7026EF28B2}" dt="2019-04-17T02:47:35.456" v="1877" actId="20577"/>
+          <ac:cxnSpMkLst>
+            <pc:docMk/>
+            <pc:sldMk cId="2931809774" sldId="259"/>
+            <ac:cxnSpMk id="26" creationId="{F29F5345-0344-4B2B-8C5F-B1F01A14DD59}"/>
+          </ac:cxnSpMkLst>
+        </pc:cxnChg>
+        <pc:cxnChg chg="add mod">
+          <ac:chgData name="K Chris" userId="7f9e1bb7b6b0c2b3" providerId="LiveId" clId="{AC36A845-921E-4C97-ABC4-8E7026EF28B2}" dt="2019-04-17T01:54:43.811" v="738" actId="1076"/>
+          <ac:cxnSpMkLst>
+            <pc:docMk/>
+            <pc:sldMk cId="2931809774" sldId="259"/>
+            <ac:cxnSpMk id="32" creationId="{7A70102F-FAE1-4A3D-9178-9F7FCE164EDF}"/>
+          </ac:cxnSpMkLst>
+        </pc:cxnChg>
+        <pc:cxnChg chg="add mod">
+          <ac:chgData name="K Chris" userId="7f9e1bb7b6b0c2b3" providerId="LiveId" clId="{AC36A845-921E-4C97-ABC4-8E7026EF28B2}" dt="2019-04-17T01:55:21.155" v="855" actId="1076"/>
+          <ac:cxnSpMkLst>
+            <pc:docMk/>
+            <pc:sldMk cId="2931809774" sldId="259"/>
+            <ac:cxnSpMk id="38" creationId="{1A079C98-30A9-4EAB-841F-371A73A46F5D}"/>
+          </ac:cxnSpMkLst>
+        </pc:cxnChg>
+        <pc:cxnChg chg="add mod">
+          <ac:chgData name="K Chris" userId="7f9e1bb7b6b0c2b3" providerId="LiveId" clId="{AC36A845-921E-4C97-ABC4-8E7026EF28B2}" dt="2019-04-17T01:55:31.622" v="860" actId="1076"/>
+          <ac:cxnSpMkLst>
+            <pc:docMk/>
+            <pc:sldMk cId="2931809774" sldId="259"/>
+            <ac:cxnSpMk id="43" creationId="{688E4C5F-E838-4BE9-8528-C249E33304B3}"/>
+          </ac:cxnSpMkLst>
+        </pc:cxnChg>
+      </pc:sldChg>
+      <pc:sldChg chg="addSp delSp modSp add">
+        <pc:chgData name="K Chris" userId="7f9e1bb7b6b0c2b3" providerId="LiveId" clId="{AC36A845-921E-4C97-ABC4-8E7026EF28B2}" dt="2019-04-17T02:30:51.325" v="1598" actId="165"/>
+        <pc:sldMkLst>
+          <pc:docMk/>
+          <pc:sldMk cId="2505855015" sldId="260"/>
+        </pc:sldMkLst>
+        <pc:spChg chg="add mod">
+          <ac:chgData name="K Chris" userId="7f9e1bb7b6b0c2b3" providerId="LiveId" clId="{AC36A845-921E-4C97-ABC4-8E7026EF28B2}" dt="2019-04-17T01:58:03.723" v="897" actId="164"/>
+          <ac:spMkLst>
+            <pc:docMk/>
+            <pc:sldMk cId="2505855015" sldId="260"/>
+            <ac:spMk id="5" creationId="{EB26AFFB-DF7D-45AE-9F42-9C3D88E20680}"/>
+          </ac:spMkLst>
+        </pc:spChg>
+        <pc:spChg chg="del">
+          <ac:chgData name="K Chris" userId="7f9e1bb7b6b0c2b3" providerId="LiveId" clId="{AC36A845-921E-4C97-ABC4-8E7026EF28B2}" dt="2019-04-17T01:55:47.645" v="863" actId="478"/>
+          <ac:spMkLst>
+            <pc:docMk/>
+            <pc:sldMk cId="2505855015" sldId="260"/>
+            <ac:spMk id="7" creationId="{33BB5A88-6978-4386-B8AE-59B79612B631}"/>
+          </ac:spMkLst>
+        </pc:spChg>
+        <pc:spChg chg="del">
+          <ac:chgData name="K Chris" userId="7f9e1bb7b6b0c2b3" providerId="LiveId" clId="{AC36A845-921E-4C97-ABC4-8E7026EF28B2}" dt="2019-04-17T01:55:50.517" v="864" actId="478"/>
+          <ac:spMkLst>
+            <pc:docMk/>
+            <pc:sldMk cId="2505855015" sldId="260"/>
+            <ac:spMk id="11" creationId="{8F2D8F17-D2B7-4C27-B024-D344D919BA8C}"/>
+          </ac:spMkLst>
+        </pc:spChg>
+        <pc:spChg chg="del">
+          <ac:chgData name="K Chris" userId="7f9e1bb7b6b0c2b3" providerId="LiveId" clId="{AC36A845-921E-4C97-ABC4-8E7026EF28B2}" dt="2019-04-17T01:55:47.645" v="863" actId="478"/>
+          <ac:spMkLst>
+            <pc:docMk/>
+            <pc:sldMk cId="2505855015" sldId="260"/>
+            <ac:spMk id="12" creationId="{2723D232-A5EE-4472-AE6B-35955F0F2A55}"/>
+          </ac:spMkLst>
+        </pc:spChg>
+        <pc:spChg chg="del">
+          <ac:chgData name="K Chris" userId="7f9e1bb7b6b0c2b3" providerId="LiveId" clId="{AC36A845-921E-4C97-ABC4-8E7026EF28B2}" dt="2019-04-17T01:55:47.645" v="863" actId="478"/>
+          <ac:spMkLst>
+            <pc:docMk/>
+            <pc:sldMk cId="2505855015" sldId="260"/>
+            <ac:spMk id="13" creationId="{3171D712-7295-49EA-965E-A82E0CE5D592}"/>
+          </ac:spMkLst>
+        </pc:spChg>
+        <pc:spChg chg="del">
+          <ac:chgData name="K Chris" userId="7f9e1bb7b6b0c2b3" providerId="LiveId" clId="{AC36A845-921E-4C97-ABC4-8E7026EF28B2}" dt="2019-04-17T01:55:47.645" v="863" actId="478"/>
+          <ac:spMkLst>
+            <pc:docMk/>
+            <pc:sldMk cId="2505855015" sldId="260"/>
+            <ac:spMk id="14" creationId="{94A29AE6-CF1C-4BDC-9039-C23122E7F5F8}"/>
+          </ac:spMkLst>
+        </pc:spChg>
+        <pc:spChg chg="del">
+          <ac:chgData name="K Chris" userId="7f9e1bb7b6b0c2b3" providerId="LiveId" clId="{AC36A845-921E-4C97-ABC4-8E7026EF28B2}" dt="2019-04-17T01:55:47.645" v="863" actId="478"/>
+          <ac:spMkLst>
+            <pc:docMk/>
+            <pc:sldMk cId="2505855015" sldId="260"/>
+            <ac:spMk id="15" creationId="{CFC04582-FC1A-44C4-AFF4-349772B23061}"/>
+          </ac:spMkLst>
+        </pc:spChg>
+        <pc:spChg chg="del">
+          <ac:chgData name="K Chris" userId="7f9e1bb7b6b0c2b3" providerId="LiveId" clId="{AC36A845-921E-4C97-ABC4-8E7026EF28B2}" dt="2019-04-17T01:55:47.645" v="863" actId="478"/>
+          <ac:spMkLst>
+            <pc:docMk/>
+            <pc:sldMk cId="2505855015" sldId="260"/>
+            <ac:spMk id="16" creationId="{2ED351F3-2F4F-4E2C-B7BB-4C1A030C53E8}"/>
+          </ac:spMkLst>
+        </pc:spChg>
+        <pc:spChg chg="del">
+          <ac:chgData name="K Chris" userId="7f9e1bb7b6b0c2b3" providerId="LiveId" clId="{AC36A845-921E-4C97-ABC4-8E7026EF28B2}" dt="2019-04-17T01:55:47.645" v="863" actId="478"/>
+          <ac:spMkLst>
+            <pc:docMk/>
+            <pc:sldMk cId="2505855015" sldId="260"/>
+            <ac:spMk id="21" creationId="{537F7C70-C958-41A4-A891-BB2E5EEB946A}"/>
+          </ac:spMkLst>
+        </pc:spChg>
+        <pc:spChg chg="del">
+          <ac:chgData name="K Chris" userId="7f9e1bb7b6b0c2b3" providerId="LiveId" clId="{AC36A845-921E-4C97-ABC4-8E7026EF28B2}" dt="2019-04-17T01:55:47.645" v="863" actId="478"/>
+          <ac:spMkLst>
+            <pc:docMk/>
+            <pc:sldMk cId="2505855015" sldId="260"/>
+            <ac:spMk id="25" creationId="{4D63E019-D335-4D68-A598-937DEC8655F2}"/>
+          </ac:spMkLst>
+        </pc:spChg>
+        <pc:spChg chg="del">
+          <ac:chgData name="K Chris" userId="7f9e1bb7b6b0c2b3" providerId="LiveId" clId="{AC36A845-921E-4C97-ABC4-8E7026EF28B2}" dt="2019-04-17T01:55:47.645" v="863" actId="478"/>
+          <ac:spMkLst>
+            <pc:docMk/>
+            <pc:sldMk cId="2505855015" sldId="260"/>
+            <ac:spMk id="31" creationId="{8BF13E28-9A9E-4974-B4DE-AA8345588C96}"/>
+          </ac:spMkLst>
+        </pc:spChg>
+        <pc:spChg chg="del">
+          <ac:chgData name="K Chris" userId="7f9e1bb7b6b0c2b3" providerId="LiveId" clId="{AC36A845-921E-4C97-ABC4-8E7026EF28B2}" dt="2019-04-17T01:55:47.645" v="863" actId="478"/>
+          <ac:spMkLst>
+            <pc:docMk/>
+            <pc:sldMk cId="2505855015" sldId="260"/>
+            <ac:spMk id="36" creationId="{0D803BB0-4B6B-4361-9B07-4D370F8F4CE6}"/>
+          </ac:spMkLst>
+        </pc:spChg>
+        <pc:spChg chg="del">
+          <ac:chgData name="K Chris" userId="7f9e1bb7b6b0c2b3" providerId="LiveId" clId="{AC36A845-921E-4C97-ABC4-8E7026EF28B2}" dt="2019-04-17T01:55:47.645" v="863" actId="478"/>
+          <ac:spMkLst>
+            <pc:docMk/>
+            <pc:sldMk cId="2505855015" sldId="260"/>
+            <ac:spMk id="37" creationId="{439D7FDF-F3F9-47BC-957B-299E192F8FE4}"/>
+          </ac:spMkLst>
+        </pc:spChg>
+        <pc:spChg chg="mod topLvl">
+          <ac:chgData name="K Chris" userId="7f9e1bb7b6b0c2b3" providerId="LiveId" clId="{AC36A845-921E-4C97-ABC4-8E7026EF28B2}" dt="2019-04-17T02:30:51.325" v="1598" actId="165"/>
+          <ac:spMkLst>
+            <pc:docMk/>
+            <pc:sldMk cId="2505855015" sldId="260"/>
+            <ac:spMk id="41" creationId="{75BFB232-93C8-4F45-809A-CAB9D273717C}"/>
+          </ac:spMkLst>
+        </pc:spChg>
+        <pc:spChg chg="add mod">
+          <ac:chgData name="K Chris" userId="7f9e1bb7b6b0c2b3" providerId="LiveId" clId="{AC36A845-921E-4C97-ABC4-8E7026EF28B2}" dt="2019-04-17T01:59:10.314" v="1114" actId="1076"/>
+          <ac:spMkLst>
+            <pc:docMk/>
+            <pc:sldMk cId="2505855015" sldId="260"/>
+            <ac:spMk id="47" creationId="{A44466C5-4623-4D24-A58E-3C379D67AE1C}"/>
+          </ac:spMkLst>
+        </pc:spChg>
+        <pc:spChg chg="add mod">
+          <ac:chgData name="K Chris" userId="7f9e1bb7b6b0c2b3" providerId="LiveId" clId="{AC36A845-921E-4C97-ABC4-8E7026EF28B2}" dt="2019-04-17T01:59:06.790" v="1113" actId="14100"/>
+          <ac:spMkLst>
+            <pc:docMk/>
+            <pc:sldMk cId="2505855015" sldId="260"/>
+            <ac:spMk id="48" creationId="{633E1ED4-18C9-4297-92E3-5B191C4CF8E6}"/>
+          </ac:spMkLst>
+        </pc:spChg>
+        <pc:grpChg chg="add del mod">
+          <ac:chgData name="K Chris" userId="7f9e1bb7b6b0c2b3" providerId="LiveId" clId="{AC36A845-921E-4C97-ABC4-8E7026EF28B2}" dt="2019-04-17T01:58:06.730" v="899"/>
+          <ac:grpSpMkLst>
+            <pc:docMk/>
+            <pc:sldMk cId="2505855015" sldId="260"/>
+            <ac:grpSpMk id="30" creationId="{7E552AB4-9D07-4DD4-AC1B-34DE5C0A6B91}"/>
+          </ac:grpSpMkLst>
+        </pc:grpChg>
+        <pc:grpChg chg="add del mod">
+          <ac:chgData name="K Chris" userId="7f9e1bb7b6b0c2b3" providerId="LiveId" clId="{AC36A845-921E-4C97-ABC4-8E7026EF28B2}" dt="2019-04-17T02:30:51.325" v="1598" actId="165"/>
+          <ac:grpSpMkLst>
+            <pc:docMk/>
+            <pc:sldMk cId="2505855015" sldId="260"/>
+            <ac:grpSpMk id="39" creationId="{4D9F50F6-41F4-4F29-91AD-B387FDBA0ACF}"/>
+          </ac:grpSpMkLst>
+        </pc:grpChg>
+        <pc:picChg chg="add del mod">
+          <ac:chgData name="K Chris" userId="7f9e1bb7b6b0c2b3" providerId="LiveId" clId="{AC36A845-921E-4C97-ABC4-8E7026EF28B2}" dt="2019-04-17T01:56:00.371" v="868"/>
+          <ac:picMkLst>
+            <pc:docMk/>
+            <pc:sldMk cId="2505855015" sldId="260"/>
+            <ac:picMk id="3" creationId="{09CB3785-379C-4392-8BB6-5A9D6509BF22}"/>
+          </ac:picMkLst>
+        </pc:picChg>
+        <pc:picChg chg="add mod">
+          <ac:chgData name="K Chris" userId="7f9e1bb7b6b0c2b3" providerId="LiveId" clId="{AC36A845-921E-4C97-ABC4-8E7026EF28B2}" dt="2019-04-17T01:58:03.723" v="897" actId="164"/>
+          <ac:picMkLst>
+            <pc:docMk/>
+            <pc:sldMk cId="2505855015" sldId="260"/>
+            <ac:picMk id="9" creationId="{CA402033-AF12-40FC-9206-662AF9F8E40E}"/>
+          </ac:picMkLst>
+        </pc:picChg>
+        <pc:picChg chg="del">
+          <ac:chgData name="K Chris" userId="7f9e1bb7b6b0c2b3" providerId="LiveId" clId="{AC36A845-921E-4C97-ABC4-8E7026EF28B2}" dt="2019-04-17T01:55:58.705" v="865" actId="478"/>
+          <ac:picMkLst>
+            <pc:docMk/>
+            <pc:sldMk cId="2505855015" sldId="260"/>
+            <ac:picMk id="10" creationId="{321D04C1-55AB-455A-B823-DA064576B2AB}"/>
+          </ac:picMkLst>
+        </pc:picChg>
+        <pc:picChg chg="add mod">
+          <ac:chgData name="K Chris" userId="7f9e1bb7b6b0c2b3" providerId="LiveId" clId="{AC36A845-921E-4C97-ABC4-8E7026EF28B2}" dt="2019-04-17T01:58:03.723" v="897" actId="164"/>
+          <ac:picMkLst>
+            <pc:docMk/>
+            <pc:sldMk cId="2505855015" sldId="260"/>
+            <ac:picMk id="19" creationId="{260560D7-D007-413C-B2E4-FFDA2C076B46}"/>
+          </ac:picMkLst>
+        </pc:picChg>
+        <pc:picChg chg="add mod">
+          <ac:chgData name="K Chris" userId="7f9e1bb7b6b0c2b3" providerId="LiveId" clId="{AC36A845-921E-4C97-ABC4-8E7026EF28B2}" dt="2019-04-17T01:58:03.723" v="897" actId="164"/>
+          <ac:picMkLst>
+            <pc:docMk/>
+            <pc:sldMk cId="2505855015" sldId="260"/>
+            <ac:picMk id="23" creationId="{3593A506-B968-47D7-9E88-BCD3FAB99B7C}"/>
+          </ac:picMkLst>
+        </pc:picChg>
+        <pc:picChg chg="add del">
+          <ac:chgData name="K Chris" userId="7f9e1bb7b6b0c2b3" providerId="LiveId" clId="{AC36A845-921E-4C97-ABC4-8E7026EF28B2}" dt="2019-04-17T01:58:07.812" v="900" actId="478"/>
+          <ac:picMkLst>
+            <pc:docMk/>
+            <pc:sldMk cId="2505855015" sldId="260"/>
+            <ac:picMk id="27" creationId="{7D1B0414-9AF4-4327-8A35-BDFF9F938BFC}"/>
+          </ac:picMkLst>
+        </pc:picChg>
+        <pc:picChg chg="add mod">
+          <ac:chgData name="K Chris" userId="7f9e1bb7b6b0c2b3" providerId="LiveId" clId="{AC36A845-921E-4C97-ABC4-8E7026EF28B2}" dt="2019-04-17T01:58:03.723" v="897" actId="164"/>
+          <ac:picMkLst>
+            <pc:docMk/>
+            <pc:sldMk cId="2505855015" sldId="260"/>
+            <ac:picMk id="28" creationId="{34801FA9-6259-4FBA-A3D5-2D78281501F0}"/>
+          </ac:picMkLst>
+        </pc:picChg>
+        <pc:picChg chg="add mod">
+          <ac:chgData name="K Chris" userId="7f9e1bb7b6b0c2b3" providerId="LiveId" clId="{AC36A845-921E-4C97-ABC4-8E7026EF28B2}" dt="2019-04-17T01:58:03.723" v="897" actId="164"/>
+          <ac:picMkLst>
+            <pc:docMk/>
+            <pc:sldMk cId="2505855015" sldId="260"/>
+            <ac:picMk id="29" creationId="{E72F8DF8-7D41-4694-81B8-A01DCCC0A978}"/>
+          </ac:picMkLst>
+        </pc:picChg>
+        <pc:picChg chg="mod topLvl">
+          <ac:chgData name="K Chris" userId="7f9e1bb7b6b0c2b3" providerId="LiveId" clId="{AC36A845-921E-4C97-ABC4-8E7026EF28B2}" dt="2019-04-17T02:30:51.325" v="1598" actId="165"/>
+          <ac:picMkLst>
+            <pc:docMk/>
+            <pc:sldMk cId="2505855015" sldId="260"/>
+            <ac:picMk id="40" creationId="{F32B72AD-4029-46F3-9676-BFC3AA5AB964}"/>
+          </ac:picMkLst>
+        </pc:picChg>
+        <pc:picChg chg="mod topLvl">
+          <ac:chgData name="K Chris" userId="7f9e1bb7b6b0c2b3" providerId="LiveId" clId="{AC36A845-921E-4C97-ABC4-8E7026EF28B2}" dt="2019-04-17T02:30:51.325" v="1598" actId="165"/>
+          <ac:picMkLst>
+            <pc:docMk/>
+            <pc:sldMk cId="2505855015" sldId="260"/>
+            <ac:picMk id="42" creationId="{03D18D71-A4A3-481D-A804-899BC5701247}"/>
+          </ac:picMkLst>
+        </pc:picChg>
+        <pc:picChg chg="mod topLvl">
+          <ac:chgData name="K Chris" userId="7f9e1bb7b6b0c2b3" providerId="LiveId" clId="{AC36A845-921E-4C97-ABC4-8E7026EF28B2}" dt="2019-04-17T02:30:51.325" v="1598" actId="165"/>
+          <ac:picMkLst>
+            <pc:docMk/>
+            <pc:sldMk cId="2505855015" sldId="260"/>
+            <ac:picMk id="44" creationId="{A3596559-FEDF-42B7-A6EB-865AEA1BD042}"/>
+          </ac:picMkLst>
+        </pc:picChg>
+        <pc:picChg chg="mod topLvl">
+          <ac:chgData name="K Chris" userId="7f9e1bb7b6b0c2b3" providerId="LiveId" clId="{AC36A845-921E-4C97-ABC4-8E7026EF28B2}" dt="2019-04-17T02:30:51.325" v="1598" actId="165"/>
+          <ac:picMkLst>
+            <pc:docMk/>
+            <pc:sldMk cId="2505855015" sldId="260"/>
+            <ac:picMk id="45" creationId="{E9372FA7-5F91-4B96-AAE4-443FD9438065}"/>
+          </ac:picMkLst>
+        </pc:picChg>
+        <pc:picChg chg="mod topLvl">
+          <ac:chgData name="K Chris" userId="7f9e1bb7b6b0c2b3" providerId="LiveId" clId="{AC36A845-921E-4C97-ABC4-8E7026EF28B2}" dt="2019-04-17T02:30:51.325" v="1598" actId="165"/>
+          <ac:picMkLst>
+            <pc:docMk/>
+            <pc:sldMk cId="2505855015" sldId="260"/>
+            <ac:picMk id="46" creationId="{1A79B07B-5165-4DE1-821F-BB1A97B32424}"/>
+          </ac:picMkLst>
+        </pc:picChg>
+        <pc:cxnChg chg="del mod">
+          <ac:chgData name="K Chris" userId="7f9e1bb7b6b0c2b3" providerId="LiveId" clId="{AC36A845-921E-4C97-ABC4-8E7026EF28B2}" dt="2019-04-17T01:55:47.645" v="863" actId="478"/>
+          <ac:cxnSpMkLst>
+            <pc:docMk/>
+            <pc:sldMk cId="2505855015" sldId="260"/>
+            <ac:cxnSpMk id="17" creationId="{6012F45B-CB9F-47D9-8B28-FA115B1FAA62}"/>
+          </ac:cxnSpMkLst>
+        </pc:cxnChg>
+        <pc:cxnChg chg="del mod">
+          <ac:chgData name="K Chris" userId="7f9e1bb7b6b0c2b3" providerId="LiveId" clId="{AC36A845-921E-4C97-ABC4-8E7026EF28B2}" dt="2019-04-17T01:55:47.645" v="863" actId="478"/>
+          <ac:cxnSpMkLst>
+            <pc:docMk/>
+            <pc:sldMk cId="2505855015" sldId="260"/>
+            <ac:cxnSpMk id="22" creationId="{5B6D1254-A165-42BC-AB51-1003CE41B5AF}"/>
+          </ac:cxnSpMkLst>
+        </pc:cxnChg>
+        <pc:cxnChg chg="del mod">
+          <ac:chgData name="K Chris" userId="7f9e1bb7b6b0c2b3" providerId="LiveId" clId="{AC36A845-921E-4C97-ABC4-8E7026EF28B2}" dt="2019-04-17T01:55:47.645" v="863" actId="478"/>
+          <ac:cxnSpMkLst>
+            <pc:docMk/>
+            <pc:sldMk cId="2505855015" sldId="260"/>
+            <ac:cxnSpMk id="26" creationId="{F29F5345-0344-4B2B-8C5F-B1F01A14DD59}"/>
+          </ac:cxnSpMkLst>
+        </pc:cxnChg>
+        <pc:cxnChg chg="del mod">
+          <ac:chgData name="K Chris" userId="7f9e1bb7b6b0c2b3" providerId="LiveId" clId="{AC36A845-921E-4C97-ABC4-8E7026EF28B2}" dt="2019-04-17T01:55:47.645" v="863" actId="478"/>
+          <ac:cxnSpMkLst>
+            <pc:docMk/>
+            <pc:sldMk cId="2505855015" sldId="260"/>
+            <ac:cxnSpMk id="32" creationId="{7A70102F-FAE1-4A3D-9178-9F7FCE164EDF}"/>
+          </ac:cxnSpMkLst>
+        </pc:cxnChg>
+        <pc:cxnChg chg="del mod">
+          <ac:chgData name="K Chris" userId="7f9e1bb7b6b0c2b3" providerId="LiveId" clId="{AC36A845-921E-4C97-ABC4-8E7026EF28B2}" dt="2019-04-17T01:55:47.645" v="863" actId="478"/>
+          <ac:cxnSpMkLst>
+            <pc:docMk/>
+            <pc:sldMk cId="2505855015" sldId="260"/>
+            <ac:cxnSpMk id="38" creationId="{1A079C98-30A9-4EAB-841F-371A73A46F5D}"/>
+          </ac:cxnSpMkLst>
+        </pc:cxnChg>
+        <pc:cxnChg chg="del mod">
+          <ac:chgData name="K Chris" userId="7f9e1bb7b6b0c2b3" providerId="LiveId" clId="{AC36A845-921E-4C97-ABC4-8E7026EF28B2}" dt="2019-04-17T01:55:47.645" v="863" actId="478"/>
+          <ac:cxnSpMkLst>
+            <pc:docMk/>
+            <pc:sldMk cId="2505855015" sldId="260"/>
+            <ac:cxnSpMk id="43" creationId="{688E4C5F-E838-4BE9-8528-C249E33304B3}"/>
+          </ac:cxnSpMkLst>
+        </pc:cxnChg>
+        <pc:cxnChg chg="add mod">
+          <ac:chgData name="K Chris" userId="7f9e1bb7b6b0c2b3" providerId="LiveId" clId="{AC36A845-921E-4C97-ABC4-8E7026EF28B2}" dt="2019-04-17T01:59:10.314" v="1114" actId="1076"/>
+          <ac:cxnSpMkLst>
+            <pc:docMk/>
+            <pc:sldMk cId="2505855015" sldId="260"/>
+            <ac:cxnSpMk id="49" creationId="{578AC962-C231-42FD-BB76-DB8F6B4BD8D2}"/>
+          </ac:cxnSpMkLst>
+        </pc:cxnChg>
+      </pc:sldChg>
+      <pc:sldChg chg="addSp delSp modSp add">
+        <pc:chgData name="K Chris" userId="7f9e1bb7b6b0c2b3" providerId="LiveId" clId="{AC36A845-921E-4C97-ABC4-8E7026EF28B2}" dt="2019-04-17T02:02:12.744" v="1416" actId="1076"/>
+        <pc:sldMkLst>
+          <pc:docMk/>
+          <pc:sldMk cId="1194788779" sldId="261"/>
+        </pc:sldMkLst>
+        <pc:spChg chg="add mod">
+          <ac:chgData name="K Chris" userId="7f9e1bb7b6b0c2b3" providerId="LiveId" clId="{AC36A845-921E-4C97-ABC4-8E7026EF28B2}" dt="2019-04-17T02:00:45.418" v="1149" actId="403"/>
+          <ac:spMkLst>
+            <pc:docMk/>
+            <pc:sldMk cId="1194788779" sldId="261"/>
+            <ac:spMk id="2" creationId="{372F17EA-D8C8-48A5-A2D2-FDEF381F2847}"/>
+          </ac:spMkLst>
+        </pc:spChg>
+        <pc:spChg chg="add mod">
+          <ac:chgData name="K Chris" userId="7f9e1bb7b6b0c2b3" providerId="LiveId" clId="{AC36A845-921E-4C97-ABC4-8E7026EF28B2}" dt="2019-04-17T02:02:12.744" v="1416" actId="1076"/>
+          <ac:spMkLst>
+            <pc:docMk/>
+            <pc:sldMk cId="1194788779" sldId="261"/>
+            <ac:spMk id="15" creationId="{1FF8986D-0040-4F09-AE8D-A0B603B60542}"/>
+          </ac:spMkLst>
+        </pc:spChg>
+        <pc:spChg chg="del mod topLvl">
+          <ac:chgData name="K Chris" userId="7f9e1bb7b6b0c2b3" providerId="LiveId" clId="{AC36A845-921E-4C97-ABC4-8E7026EF28B2}" dt="2019-04-17T01:59:45.043" v="1123" actId="478"/>
+          <ac:spMkLst>
+            <pc:docMk/>
+            <pc:sldMk cId="1194788779" sldId="261"/>
+            <ac:spMk id="41" creationId="{75BFB232-93C8-4F45-809A-CAB9D273717C}"/>
+          </ac:spMkLst>
+        </pc:spChg>
+        <pc:spChg chg="del">
+          <ac:chgData name="K Chris" userId="7f9e1bb7b6b0c2b3" providerId="LiveId" clId="{AC36A845-921E-4C97-ABC4-8E7026EF28B2}" dt="2019-04-17T01:59:37.141" v="1117" actId="478"/>
+          <ac:spMkLst>
+            <pc:docMk/>
+            <pc:sldMk cId="1194788779" sldId="261"/>
+            <ac:spMk id="47" creationId="{A44466C5-4623-4D24-A58E-3C379D67AE1C}"/>
+          </ac:spMkLst>
+        </pc:spChg>
+        <pc:spChg chg="del">
+          <ac:chgData name="K Chris" userId="7f9e1bb7b6b0c2b3" providerId="LiveId" clId="{AC36A845-921E-4C97-ABC4-8E7026EF28B2}" dt="2019-04-17T01:59:35.486" v="1116" actId="478"/>
+          <ac:spMkLst>
+            <pc:docMk/>
+            <pc:sldMk cId="1194788779" sldId="261"/>
+            <ac:spMk id="48" creationId="{633E1ED4-18C9-4297-92E3-5B191C4CF8E6}"/>
+          </ac:spMkLst>
+        </pc:spChg>
+        <pc:grpChg chg="add del">
+          <ac:chgData name="K Chris" userId="7f9e1bb7b6b0c2b3" providerId="LiveId" clId="{AC36A845-921E-4C97-ABC4-8E7026EF28B2}" dt="2019-04-17T01:59:42.549" v="1121" actId="165"/>
+          <ac:grpSpMkLst>
+            <pc:docMk/>
+            <pc:sldMk cId="1194788779" sldId="261"/>
+            <ac:grpSpMk id="39" creationId="{4D9F50F6-41F4-4F29-91AD-B387FDBA0ACF}"/>
+          </ac:grpSpMkLst>
+        </pc:grpChg>
+        <pc:picChg chg="mod topLvl">
+          <ac:chgData name="K Chris" userId="7f9e1bb7b6b0c2b3" providerId="LiveId" clId="{AC36A845-921E-4C97-ABC4-8E7026EF28B2}" dt="2019-04-17T01:59:42.549" v="1121" actId="165"/>
+          <ac:picMkLst>
+            <pc:docMk/>
+            <pc:sldMk cId="1194788779" sldId="261"/>
+            <ac:picMk id="40" creationId="{F32B72AD-4029-46F3-9676-BFC3AA5AB964}"/>
+          </ac:picMkLst>
+        </pc:picChg>
+        <pc:picChg chg="del">
+          <ac:chgData name="K Chris" userId="7f9e1bb7b6b0c2b3" providerId="LiveId" clId="{AC36A845-921E-4C97-ABC4-8E7026EF28B2}" dt="2019-04-17T01:59:39.058" v="1118" actId="478"/>
+          <ac:picMkLst>
+            <pc:docMk/>
+            <pc:sldMk cId="1194788779" sldId="261"/>
+            <ac:picMk id="42" creationId="{03D18D71-A4A3-481D-A804-899BC5701247}"/>
+          </ac:picMkLst>
+        </pc:picChg>
+        <pc:picChg chg="del mod topLvl">
+          <ac:chgData name="K Chris" userId="7f9e1bb7b6b0c2b3" providerId="LiveId" clId="{AC36A845-921E-4C97-ABC4-8E7026EF28B2}" dt="2019-04-17T01:59:44.287" v="1122" actId="478"/>
+          <ac:picMkLst>
+            <pc:docMk/>
+            <pc:sldMk cId="1194788779" sldId="261"/>
+            <ac:picMk id="44" creationId="{A3596559-FEDF-42B7-A6EB-865AEA1BD042}"/>
+          </ac:picMkLst>
+        </pc:picChg>
+        <pc:picChg chg="del mod topLvl">
+          <ac:chgData name="K Chris" userId="7f9e1bb7b6b0c2b3" providerId="LiveId" clId="{AC36A845-921E-4C97-ABC4-8E7026EF28B2}" dt="2019-04-17T01:59:44.287" v="1122" actId="478"/>
+          <ac:picMkLst>
+            <pc:docMk/>
+            <pc:sldMk cId="1194788779" sldId="261"/>
+            <ac:picMk id="45" creationId="{E9372FA7-5F91-4B96-AAE4-443FD9438065}"/>
+          </ac:picMkLst>
+        </pc:picChg>
+        <pc:picChg chg="del mod topLvl">
+          <ac:chgData name="K Chris" userId="7f9e1bb7b6b0c2b3" providerId="LiveId" clId="{AC36A845-921E-4C97-ABC4-8E7026EF28B2}" dt="2019-04-17T01:59:44.287" v="1122" actId="478"/>
+          <ac:picMkLst>
+            <pc:docMk/>
+            <pc:sldMk cId="1194788779" sldId="261"/>
+            <ac:picMk id="46" creationId="{1A79B07B-5165-4DE1-821F-BB1A97B32424}"/>
+          </ac:picMkLst>
+        </pc:picChg>
+        <pc:cxnChg chg="add mod">
+          <ac:chgData name="K Chris" userId="7f9e1bb7b6b0c2b3" providerId="LiveId" clId="{AC36A845-921E-4C97-ABC4-8E7026EF28B2}" dt="2019-04-17T02:02:12.744" v="1416" actId="1076"/>
+          <ac:cxnSpMkLst>
+            <pc:docMk/>
+            <pc:sldMk cId="1194788779" sldId="261"/>
+            <ac:cxnSpMk id="16" creationId="{EB02BE69-7E9E-49F1-A81F-E40A399FAE56}"/>
+          </ac:cxnSpMkLst>
+        </pc:cxnChg>
+        <pc:cxnChg chg="del mod">
+          <ac:chgData name="K Chris" userId="7f9e1bb7b6b0c2b3" providerId="LiveId" clId="{AC36A845-921E-4C97-ABC4-8E7026EF28B2}" dt="2019-04-17T01:59:37.141" v="1117" actId="478"/>
+          <ac:cxnSpMkLst>
+            <pc:docMk/>
+            <pc:sldMk cId="1194788779" sldId="261"/>
+            <ac:cxnSpMk id="49" creationId="{578AC962-C231-42FD-BB76-DB8F6B4BD8D2}"/>
+          </ac:cxnSpMkLst>
+        </pc:cxnChg>
+      </pc:sldChg>
+      <pc:sldChg chg="addSp delSp modSp add del">
+        <pc:chgData name="K Chris" userId="7f9e1bb7b6b0c2b3" providerId="LiveId" clId="{AC36A845-921E-4C97-ABC4-8E7026EF28B2}" dt="2019-04-17T02:31:01.134" v="1601" actId="2696"/>
+        <pc:sldMkLst>
+          <pc:docMk/>
+          <pc:sldMk cId="2866863140" sldId="262"/>
+        </pc:sldMkLst>
+        <pc:spChg chg="del">
+          <ac:chgData name="K Chris" userId="7f9e1bb7b6b0c2b3" providerId="LiveId" clId="{AC36A845-921E-4C97-ABC4-8E7026EF28B2}" dt="2019-04-17T02:28:56.536" v="1420" actId="478"/>
+          <ac:spMkLst>
+            <pc:docMk/>
+            <pc:sldMk cId="2866863140" sldId="262"/>
+            <ac:spMk id="7" creationId="{33BB5A88-6978-4386-B8AE-59B79612B631}"/>
+          </ac:spMkLst>
+        </pc:spChg>
+        <pc:spChg chg="del">
+          <ac:chgData name="K Chris" userId="7f9e1bb7b6b0c2b3" providerId="LiveId" clId="{AC36A845-921E-4C97-ABC4-8E7026EF28B2}" dt="2019-04-17T02:28:53.081" v="1418" actId="478"/>
+          <ac:spMkLst>
+            <pc:docMk/>
+            <pc:sldMk cId="2866863140" sldId="262"/>
+            <ac:spMk id="12" creationId="{2723D232-A5EE-4472-AE6B-35955F0F2A55}"/>
+          </ac:spMkLst>
+        </pc:spChg>
+        <pc:spChg chg="del">
+          <ac:chgData name="K Chris" userId="7f9e1bb7b6b0c2b3" providerId="LiveId" clId="{AC36A845-921E-4C97-ABC4-8E7026EF28B2}" dt="2019-04-17T02:28:53.081" v="1418" actId="478"/>
+          <ac:spMkLst>
+            <pc:docMk/>
+            <pc:sldMk cId="2866863140" sldId="262"/>
+            <ac:spMk id="13" creationId="{3171D712-7295-49EA-965E-A82E0CE5D592}"/>
+          </ac:spMkLst>
+        </pc:spChg>
+        <pc:spChg chg="del">
+          <ac:chgData name="K Chris" userId="7f9e1bb7b6b0c2b3" providerId="LiveId" clId="{AC36A845-921E-4C97-ABC4-8E7026EF28B2}" dt="2019-04-17T02:28:53.081" v="1418" actId="478"/>
+          <ac:spMkLst>
+            <pc:docMk/>
+            <pc:sldMk cId="2866863140" sldId="262"/>
+            <ac:spMk id="14" creationId="{94A29AE6-CF1C-4BDC-9039-C23122E7F5F8}"/>
+          </ac:spMkLst>
+        </pc:spChg>
+        <pc:spChg chg="del">
+          <ac:chgData name="K Chris" userId="7f9e1bb7b6b0c2b3" providerId="LiveId" clId="{AC36A845-921E-4C97-ABC4-8E7026EF28B2}" dt="2019-04-17T02:28:53.081" v="1418" actId="478"/>
+          <ac:spMkLst>
+            <pc:docMk/>
+            <pc:sldMk cId="2866863140" sldId="262"/>
+            <ac:spMk id="15" creationId="{CFC04582-FC1A-44C4-AFF4-349772B23061}"/>
+          </ac:spMkLst>
+        </pc:spChg>
+        <pc:spChg chg="del">
+          <ac:chgData name="K Chris" userId="7f9e1bb7b6b0c2b3" providerId="LiveId" clId="{AC36A845-921E-4C97-ABC4-8E7026EF28B2}" dt="2019-04-17T02:28:54.839" v="1419" actId="478"/>
+          <ac:spMkLst>
+            <pc:docMk/>
+            <pc:sldMk cId="2866863140" sldId="262"/>
+            <ac:spMk id="16" creationId="{2ED351F3-2F4F-4E2C-B7BB-4C1A030C53E8}"/>
+          </ac:spMkLst>
+        </pc:spChg>
+        <pc:spChg chg="del">
+          <ac:chgData name="K Chris" userId="7f9e1bb7b6b0c2b3" providerId="LiveId" clId="{AC36A845-921E-4C97-ABC4-8E7026EF28B2}" dt="2019-04-17T02:28:54.839" v="1419" actId="478"/>
+          <ac:spMkLst>
+            <pc:docMk/>
+            <pc:sldMk cId="2866863140" sldId="262"/>
+            <ac:spMk id="21" creationId="{537F7C70-C958-41A4-A891-BB2E5EEB946A}"/>
+          </ac:spMkLst>
+        </pc:spChg>
+        <pc:spChg chg="add">
+          <ac:chgData name="K Chris" userId="7f9e1bb7b6b0c2b3" providerId="LiveId" clId="{AC36A845-921E-4C97-ABC4-8E7026EF28B2}" dt="2019-04-17T02:29:00.592" v="1422"/>
+          <ac:spMkLst>
+            <pc:docMk/>
+            <pc:sldMk cId="2866863140" sldId="262"/>
+            <ac:spMk id="23" creationId="{1970B351-5252-4D4C-B666-5B56C3A0EF90}"/>
+          </ac:spMkLst>
+        </pc:spChg>
+        <pc:spChg chg="del">
+          <ac:chgData name="K Chris" userId="7f9e1bb7b6b0c2b3" providerId="LiveId" clId="{AC36A845-921E-4C97-ABC4-8E7026EF28B2}" dt="2019-04-17T02:28:53.081" v="1418" actId="478"/>
+          <ac:spMkLst>
+            <pc:docMk/>
+            <pc:sldMk cId="2866863140" sldId="262"/>
+            <ac:spMk id="25" creationId="{4D63E019-D335-4D68-A598-937DEC8655F2}"/>
+          </ac:spMkLst>
+        </pc:spChg>
+        <pc:spChg chg="del">
+          <ac:chgData name="K Chris" userId="7f9e1bb7b6b0c2b3" providerId="LiveId" clId="{AC36A845-921E-4C97-ABC4-8E7026EF28B2}" dt="2019-04-17T02:28:53.081" v="1418" actId="478"/>
+          <ac:spMkLst>
+            <pc:docMk/>
+            <pc:sldMk cId="2866863140" sldId="262"/>
+            <ac:spMk id="31" creationId="{8BF13E28-9A9E-4974-B4DE-AA8345588C96}"/>
+          </ac:spMkLst>
+        </pc:spChg>
+        <pc:spChg chg="del">
+          <ac:chgData name="K Chris" userId="7f9e1bb7b6b0c2b3" providerId="LiveId" clId="{AC36A845-921E-4C97-ABC4-8E7026EF28B2}" dt="2019-04-17T02:28:57.631" v="1421" actId="478"/>
+          <ac:spMkLst>
+            <pc:docMk/>
+            <pc:sldMk cId="2866863140" sldId="262"/>
+            <ac:spMk id="36" creationId="{0D803BB0-4B6B-4361-9B07-4D370F8F4CE6}"/>
+          </ac:spMkLst>
+        </pc:spChg>
+        <pc:spChg chg="del">
+          <ac:chgData name="K Chris" userId="7f9e1bb7b6b0c2b3" providerId="LiveId" clId="{AC36A845-921E-4C97-ABC4-8E7026EF28B2}" dt="2019-04-17T02:28:57.631" v="1421" actId="478"/>
+          <ac:spMkLst>
+            <pc:docMk/>
+            <pc:sldMk cId="2866863140" sldId="262"/>
+            <ac:spMk id="37" creationId="{439D7FDF-F3F9-47BC-957B-299E192F8FE4}"/>
+          </ac:spMkLst>
+        </pc:spChg>
+        <pc:picChg chg="add">
+          <ac:chgData name="K Chris" userId="7f9e1bb7b6b0c2b3" providerId="LiveId" clId="{AC36A845-921E-4C97-ABC4-8E7026EF28B2}" dt="2019-04-17T02:30:02.160" v="1425"/>
+          <ac:picMkLst>
+            <pc:docMk/>
+            <pc:sldMk cId="2866863140" sldId="262"/>
+            <ac:picMk id="24" creationId="{EB6CAA82-FA1D-47E4-9361-82D92852D548}"/>
+          </ac:picMkLst>
+        </pc:picChg>
+        <pc:picChg chg="add del">
+          <ac:chgData name="K Chris" userId="7f9e1bb7b6b0c2b3" providerId="LiveId" clId="{AC36A845-921E-4C97-ABC4-8E7026EF28B2}" dt="2019-04-17T02:30:56.649" v="1600"/>
+          <ac:picMkLst>
+            <pc:docMk/>
+            <pc:sldMk cId="2866863140" sldId="262"/>
+            <ac:picMk id="27" creationId="{C5734933-2630-453D-9003-6527F9E72741}"/>
+          </ac:picMkLst>
+        </pc:picChg>
+        <pc:picChg chg="add del">
+          <ac:chgData name="K Chris" userId="7f9e1bb7b6b0c2b3" providerId="LiveId" clId="{AC36A845-921E-4C97-ABC4-8E7026EF28B2}" dt="2019-04-17T02:30:56.649" v="1600"/>
+          <ac:picMkLst>
+            <pc:docMk/>
+            <pc:sldMk cId="2866863140" sldId="262"/>
+            <ac:picMk id="28" creationId="{55126932-639F-4327-9D86-AA08CB9C462E}"/>
+          </ac:picMkLst>
+        </pc:picChg>
+        <pc:cxnChg chg="del mod">
+          <ac:chgData name="K Chris" userId="7f9e1bb7b6b0c2b3" providerId="LiveId" clId="{AC36A845-921E-4C97-ABC4-8E7026EF28B2}" dt="2019-04-17T02:28:54.839" v="1419" actId="478"/>
+          <ac:cxnSpMkLst>
+            <pc:docMk/>
+            <pc:sldMk cId="2866863140" sldId="262"/>
+            <ac:cxnSpMk id="17" creationId="{6012F45B-CB9F-47D9-8B28-FA115B1FAA62}"/>
+          </ac:cxnSpMkLst>
+        </pc:cxnChg>
+        <pc:cxnChg chg="del mod">
+          <ac:chgData name="K Chris" userId="7f9e1bb7b6b0c2b3" providerId="LiveId" clId="{AC36A845-921E-4C97-ABC4-8E7026EF28B2}" dt="2019-04-17T02:28:54.839" v="1419" actId="478"/>
+          <ac:cxnSpMkLst>
+            <pc:docMk/>
+            <pc:sldMk cId="2866863140" sldId="262"/>
+            <ac:cxnSpMk id="22" creationId="{5B6D1254-A165-42BC-AB51-1003CE41B5AF}"/>
+          </ac:cxnSpMkLst>
+        </pc:cxnChg>
+        <pc:cxnChg chg="del mod">
+          <ac:chgData name="K Chris" userId="7f9e1bb7b6b0c2b3" providerId="LiveId" clId="{AC36A845-921E-4C97-ABC4-8E7026EF28B2}" dt="2019-04-17T02:28:53.081" v="1418" actId="478"/>
+          <ac:cxnSpMkLst>
+            <pc:docMk/>
+            <pc:sldMk cId="2866863140" sldId="262"/>
+            <ac:cxnSpMk id="26" creationId="{F29F5345-0344-4B2B-8C5F-B1F01A14DD59}"/>
+          </ac:cxnSpMkLst>
+        </pc:cxnChg>
+        <pc:cxnChg chg="del mod">
+          <ac:chgData name="K Chris" userId="7f9e1bb7b6b0c2b3" providerId="LiveId" clId="{AC36A845-921E-4C97-ABC4-8E7026EF28B2}" dt="2019-04-17T02:28:53.081" v="1418" actId="478"/>
+          <ac:cxnSpMkLst>
+            <pc:docMk/>
+            <pc:sldMk cId="2866863140" sldId="262"/>
+            <ac:cxnSpMk id="32" creationId="{7A70102F-FAE1-4A3D-9178-9F7FCE164EDF}"/>
+          </ac:cxnSpMkLst>
+        </pc:cxnChg>
+        <pc:cxnChg chg="del mod">
+          <ac:chgData name="K Chris" userId="7f9e1bb7b6b0c2b3" providerId="LiveId" clId="{AC36A845-921E-4C97-ABC4-8E7026EF28B2}" dt="2019-04-17T02:28:53.081" v="1418" actId="478"/>
+          <ac:cxnSpMkLst>
+            <pc:docMk/>
+            <pc:sldMk cId="2866863140" sldId="262"/>
+            <ac:cxnSpMk id="38" creationId="{1A079C98-30A9-4EAB-841F-371A73A46F5D}"/>
+          </ac:cxnSpMkLst>
+        </pc:cxnChg>
+        <pc:cxnChg chg="del mod">
+          <ac:chgData name="K Chris" userId="7f9e1bb7b6b0c2b3" providerId="LiveId" clId="{AC36A845-921E-4C97-ABC4-8E7026EF28B2}" dt="2019-04-17T02:28:53.081" v="1418" actId="478"/>
+          <ac:cxnSpMkLst>
+            <pc:docMk/>
+            <pc:sldMk cId="2866863140" sldId="262"/>
+            <ac:cxnSpMk id="43" creationId="{688E4C5F-E838-4BE9-8528-C249E33304B3}"/>
+          </ac:cxnSpMkLst>
+        </pc:cxnChg>
       </pc:sldChg>
     </pc:docChg>
   </pc:docChgLst>
@@ -3870,7 +4714,7 @@
         <p:spPr>
           <a:xfrm>
             <a:off x="55371" y="68925"/>
-            <a:ext cx="11836424" cy="369332"/>
+            <a:ext cx="6565988" cy="369332"/>
           </a:xfrm>
           <a:prstGeom prst="rect">
             <a:avLst/>
@@ -3929,10 +4773,2069 @@
           </a:fontRef>
         </p:style>
       </p:cxnSp>
+      <p:pic>
+        <p:nvPicPr>
+          <p:cNvPr id="3" name="그림 2">
+            <a:extLst>
+              <a:ext uri="{FF2B5EF4-FFF2-40B4-BE49-F238E27FC236}">
+                <a16:creationId xmlns:a16="http://schemas.microsoft.com/office/drawing/2014/main" id="{1EEAD70F-2180-4330-AC09-9F8100E1B353}"/>
+              </a:ext>
+            </a:extLst>
+          </p:cNvPr>
+          <p:cNvPicPr>
+            <a:picLocks noChangeAspect="1"/>
+          </p:cNvPicPr>
+          <p:nvPr/>
+        </p:nvPicPr>
+        <p:blipFill>
+          <a:blip r:embed="rId2">
+            <a:extLst>
+              <a:ext uri="{28A0092B-C50C-407E-A947-70E740481C1C}">
+                <a14:useLocalDpi xmlns:a14="http://schemas.microsoft.com/office/drawing/2010/main" val="0"/>
+              </a:ext>
+            </a:extLst>
+          </a:blip>
+          <a:stretch>
+            <a:fillRect/>
+          </a:stretch>
+        </p:blipFill>
+        <p:spPr>
+          <a:xfrm>
+            <a:off x="180862" y="642199"/>
+            <a:ext cx="3291840" cy="5852160"/>
+          </a:xfrm>
+          <a:prstGeom prst="rect">
+            <a:avLst/>
+          </a:prstGeom>
+        </p:spPr>
+      </p:pic>
+      <p:sp>
+        <p:nvSpPr>
+          <p:cNvPr id="5" name="직사각형 4">
+            <a:extLst>
+              <a:ext uri="{FF2B5EF4-FFF2-40B4-BE49-F238E27FC236}">
+                <a16:creationId xmlns:a16="http://schemas.microsoft.com/office/drawing/2014/main" id="{8B75F0C4-DC7F-4D43-83C1-2026E7E4407B}"/>
+              </a:ext>
+            </a:extLst>
+          </p:cNvPr>
+          <p:cNvSpPr/>
+          <p:nvPr/>
+        </p:nvSpPr>
+        <p:spPr>
+          <a:xfrm>
+            <a:off x="296728" y="5765309"/>
+            <a:ext cx="1199012" cy="617674"/>
+          </a:xfrm>
+          <a:prstGeom prst="rect">
+            <a:avLst/>
+          </a:prstGeom>
+          <a:noFill/>
+          <a:ln w="28575">
+            <a:solidFill>
+              <a:srgbClr val="FF0000"/>
+            </a:solidFill>
+          </a:ln>
+        </p:spPr>
+        <p:style>
+          <a:lnRef idx="2">
+            <a:schemeClr val="accent1">
+              <a:shade val="50000"/>
+            </a:schemeClr>
+          </a:lnRef>
+          <a:fillRef idx="1">
+            <a:schemeClr val="accent1"/>
+          </a:fillRef>
+          <a:effectRef idx="0">
+            <a:schemeClr val="accent1"/>
+          </a:effectRef>
+          <a:fontRef idx="minor">
+            <a:schemeClr val="lt1"/>
+          </a:fontRef>
+        </p:style>
+        <p:txBody>
+          <a:bodyPr rtlCol="0" anchor="ctr"/>
+          <a:lstStyle/>
+          <a:p>
+            <a:pPr algn="ctr"/>
+            <a:endParaRPr lang="ko-KR" altLang="en-US"/>
+          </a:p>
+        </p:txBody>
+      </p:sp>
+      <p:sp>
+        <p:nvSpPr>
+          <p:cNvPr id="7" name="TextBox 6">
+            <a:extLst>
+              <a:ext uri="{FF2B5EF4-FFF2-40B4-BE49-F238E27FC236}">
+                <a16:creationId xmlns:a16="http://schemas.microsoft.com/office/drawing/2014/main" id="{33BB5A88-6978-4386-B8AE-59B79612B631}"/>
+              </a:ext>
+            </a:extLst>
+          </p:cNvPr>
+          <p:cNvSpPr txBox="1"/>
+          <p:nvPr/>
+        </p:nvSpPr>
+        <p:spPr>
+          <a:xfrm>
+            <a:off x="3709142" y="5372292"/>
+            <a:ext cx="4304494" cy="276999"/>
+          </a:xfrm>
+          <a:prstGeom prst="rect">
+            <a:avLst/>
+          </a:prstGeom>
+          <a:noFill/>
+        </p:spPr>
+        <p:txBody>
+          <a:bodyPr wrap="square" rtlCol="0">
+            <a:spAutoFit/>
+          </a:bodyPr>
+          <a:lstStyle/>
+          <a:p>
+            <a:pPr marL="171450" indent="-171450">
+              <a:buFont typeface="Arial" panose="020B0604020202020204" pitchFamily="34" charset="0"/>
+              <a:buChar char="•"/>
+            </a:pPr>
+            <a:r>
+              <a:rPr lang="ko-KR" altLang="en-US" sz="1200" dirty="0"/>
+              <a:t>해당 버튼을 터치하여 상점 화면으로 진입</a:t>
+            </a:r>
+            <a:r>
+              <a:rPr lang="en-US" altLang="ko-KR" sz="1200" dirty="0"/>
+              <a:t>.</a:t>
+            </a:r>
+            <a:endParaRPr lang="ko-KR" altLang="en-US" sz="1200" dirty="0"/>
+          </a:p>
+        </p:txBody>
+      </p:sp>
+      <p:cxnSp>
+        <p:nvCxnSpPr>
+          <p:cNvPr id="9" name="연결선: 꺾임 8">
+            <a:extLst>
+              <a:ext uri="{FF2B5EF4-FFF2-40B4-BE49-F238E27FC236}">
+                <a16:creationId xmlns:a16="http://schemas.microsoft.com/office/drawing/2014/main" id="{75A93562-6529-4882-8999-840B816A5D11}"/>
+              </a:ext>
+            </a:extLst>
+          </p:cNvPr>
+          <p:cNvCxnSpPr>
+            <a:cxnSpLocks/>
+            <a:stCxn id="5" idx="0"/>
+            <a:endCxn id="7" idx="1"/>
+          </p:cNvCxnSpPr>
+          <p:nvPr/>
+        </p:nvCxnSpPr>
+        <p:spPr>
+          <a:xfrm rot="5400000" flipH="1" flipV="1">
+            <a:off x="2175430" y="4231597"/>
+            <a:ext cx="254517" cy="2812908"/>
+          </a:xfrm>
+          <a:prstGeom prst="bentConnector2">
+            <a:avLst/>
+          </a:prstGeom>
+          <a:ln w="28575">
+            <a:solidFill>
+              <a:srgbClr val="FF0000"/>
+            </a:solidFill>
+            <a:tailEnd type="triangle"/>
+          </a:ln>
+        </p:spPr>
+        <p:style>
+          <a:lnRef idx="1">
+            <a:schemeClr val="accent1"/>
+          </a:lnRef>
+          <a:fillRef idx="0">
+            <a:schemeClr val="accent1"/>
+          </a:fillRef>
+          <a:effectRef idx="0">
+            <a:schemeClr val="accent1"/>
+          </a:effectRef>
+          <a:fontRef idx="minor">
+            <a:schemeClr val="tx1"/>
+          </a:fontRef>
+        </p:style>
+      </p:cxnSp>
     </p:spTree>
     <p:extLst>
       <p:ext uri="{BB962C8B-B14F-4D97-AF65-F5344CB8AC3E}">
         <p14:creationId xmlns:p14="http://schemas.microsoft.com/office/powerpoint/2010/main" val="3171307329"/>
+      </p:ext>
+    </p:extLst>
+  </p:cSld>
+  <p:clrMapOvr>
+    <a:masterClrMapping/>
+  </p:clrMapOvr>
+</p:sld>
+</file>
+
+<file path=ppt/slides/slide4.xml><?xml version="1.0" encoding="utf-8"?>
+<p:sld xmlns:a="http://schemas.openxmlformats.org/drawingml/2006/main" xmlns:r="http://schemas.openxmlformats.org/officeDocument/2006/relationships" xmlns:p="http://schemas.openxmlformats.org/presentationml/2006/main">
+  <p:cSld>
+    <p:spTree>
+      <p:nvGrpSpPr>
+        <p:cNvPr id="1" name=""/>
+        <p:cNvGrpSpPr/>
+        <p:nvPr/>
+      </p:nvGrpSpPr>
+      <p:grpSpPr>
+        <a:xfrm>
+          <a:off x="0" y="0"/>
+          <a:ext cx="0" cy="0"/>
+          <a:chOff x="0" y="0"/>
+          <a:chExt cx="0" cy="0"/>
+        </a:xfrm>
+      </p:grpSpPr>
+      <p:sp>
+        <p:nvSpPr>
+          <p:cNvPr id="4" name="TextBox 3">
+            <a:extLst>
+              <a:ext uri="{FF2B5EF4-FFF2-40B4-BE49-F238E27FC236}">
+                <a16:creationId xmlns:a16="http://schemas.microsoft.com/office/drawing/2014/main" id="{F38F34CB-158E-49E5-B7C6-F367CD51856C}"/>
+              </a:ext>
+            </a:extLst>
+          </p:cNvPr>
+          <p:cNvSpPr txBox="1"/>
+          <p:nvPr/>
+        </p:nvSpPr>
+        <p:spPr>
+          <a:xfrm>
+            <a:off x="55371" y="68925"/>
+            <a:ext cx="6565988" cy="369332"/>
+          </a:xfrm>
+          <a:prstGeom prst="rect">
+            <a:avLst/>
+          </a:prstGeom>
+          <a:noFill/>
+        </p:spPr>
+        <p:txBody>
+          <a:bodyPr wrap="square" rtlCol="0">
+            <a:spAutoFit/>
+          </a:bodyPr>
+          <a:lstStyle/>
+          <a:p>
+            <a:r>
+              <a:rPr lang="en-US" altLang="ko-KR" dirty="0"/>
+              <a:t>UI</a:t>
+            </a:r>
+            <a:endParaRPr lang="ko-KR" altLang="en-US" dirty="0"/>
+          </a:p>
+        </p:txBody>
+      </p:sp>
+      <p:cxnSp>
+        <p:nvCxnSpPr>
+          <p:cNvPr id="6" name="직선 연결선 5">
+            <a:extLst>
+              <a:ext uri="{FF2B5EF4-FFF2-40B4-BE49-F238E27FC236}">
+                <a16:creationId xmlns:a16="http://schemas.microsoft.com/office/drawing/2014/main" id="{CFEE5633-CD8F-47BD-8DCC-26E5CAA27708}"/>
+              </a:ext>
+            </a:extLst>
+          </p:cNvPr>
+          <p:cNvCxnSpPr>
+            <a:cxnSpLocks/>
+          </p:cNvCxnSpPr>
+          <p:nvPr/>
+        </p:nvCxnSpPr>
+        <p:spPr>
+          <a:xfrm>
+            <a:off x="55371" y="475017"/>
+            <a:ext cx="6565988" cy="0"/>
+          </a:xfrm>
+          <a:prstGeom prst="line">
+            <a:avLst/>
+          </a:prstGeom>
+        </p:spPr>
+        <p:style>
+          <a:lnRef idx="2">
+            <a:schemeClr val="accent2"/>
+          </a:lnRef>
+          <a:fillRef idx="0">
+            <a:schemeClr val="accent2"/>
+          </a:fillRef>
+          <a:effectRef idx="1">
+            <a:schemeClr val="accent2"/>
+          </a:effectRef>
+          <a:fontRef idx="minor">
+            <a:schemeClr val="tx1"/>
+          </a:fontRef>
+        </p:style>
+      </p:cxnSp>
+      <p:sp>
+        <p:nvSpPr>
+          <p:cNvPr id="7" name="TextBox 6">
+            <a:extLst>
+              <a:ext uri="{FF2B5EF4-FFF2-40B4-BE49-F238E27FC236}">
+                <a16:creationId xmlns:a16="http://schemas.microsoft.com/office/drawing/2014/main" id="{33BB5A88-6978-4386-B8AE-59B79612B631}"/>
+              </a:ext>
+            </a:extLst>
+          </p:cNvPr>
+          <p:cNvSpPr txBox="1"/>
+          <p:nvPr/>
+        </p:nvSpPr>
+        <p:spPr>
+          <a:xfrm>
+            <a:off x="4182424" y="1190865"/>
+            <a:ext cx="4304494" cy="276999"/>
+          </a:xfrm>
+          <a:prstGeom prst="rect">
+            <a:avLst/>
+          </a:prstGeom>
+          <a:noFill/>
+        </p:spPr>
+        <p:txBody>
+          <a:bodyPr wrap="square" rtlCol="0">
+            <a:spAutoFit/>
+          </a:bodyPr>
+          <a:lstStyle/>
+          <a:p>
+            <a:pPr marL="171450" indent="-171450">
+              <a:buFont typeface="Arial" panose="020B0604020202020204" pitchFamily="34" charset="0"/>
+              <a:buChar char="•"/>
+            </a:pPr>
+            <a:r>
+              <a:rPr lang="ko-KR" altLang="en-US" sz="1200" dirty="0"/>
+              <a:t>현재 보유하고 있는 재화 표시</a:t>
+            </a:r>
+            <a:r>
+              <a:rPr lang="en-US" altLang="ko-KR" sz="1200" dirty="0"/>
+              <a:t>.</a:t>
+            </a:r>
+            <a:endParaRPr lang="ko-KR" altLang="en-US" sz="1200" dirty="0"/>
+          </a:p>
+        </p:txBody>
+      </p:sp>
+      <p:pic>
+        <p:nvPicPr>
+          <p:cNvPr id="10" name="그림 9">
+            <a:extLst>
+              <a:ext uri="{FF2B5EF4-FFF2-40B4-BE49-F238E27FC236}">
+                <a16:creationId xmlns:a16="http://schemas.microsoft.com/office/drawing/2014/main" id="{321D04C1-55AB-455A-B823-DA064576B2AB}"/>
+              </a:ext>
+            </a:extLst>
+          </p:cNvPr>
+          <p:cNvPicPr>
+            <a:picLocks noChangeAspect="1"/>
+          </p:cNvPicPr>
+          <p:nvPr/>
+        </p:nvPicPr>
+        <p:blipFill>
+          <a:blip r:embed="rId2">
+            <a:extLst>
+              <a:ext uri="{28A0092B-C50C-407E-A947-70E740481C1C}">
+                <a14:useLocalDpi xmlns:a14="http://schemas.microsoft.com/office/drawing/2010/main" val="0"/>
+              </a:ext>
+            </a:extLst>
+          </a:blip>
+          <a:stretch>
+            <a:fillRect/>
+          </a:stretch>
+        </p:blipFill>
+        <p:spPr>
+          <a:xfrm>
+            <a:off x="180861" y="642199"/>
+            <a:ext cx="3291840" cy="5852160"/>
+          </a:xfrm>
+          <a:prstGeom prst="rect">
+            <a:avLst/>
+          </a:prstGeom>
+        </p:spPr>
+      </p:pic>
+      <p:sp>
+        <p:nvSpPr>
+          <p:cNvPr id="11" name="TextBox 10">
+            <a:extLst>
+              <a:ext uri="{FF2B5EF4-FFF2-40B4-BE49-F238E27FC236}">
+                <a16:creationId xmlns:a16="http://schemas.microsoft.com/office/drawing/2014/main" id="{8F2D8F17-D2B7-4C27-B024-D344D919BA8C}"/>
+              </a:ext>
+            </a:extLst>
+          </p:cNvPr>
+          <p:cNvSpPr txBox="1"/>
+          <p:nvPr/>
+        </p:nvSpPr>
+        <p:spPr>
+          <a:xfrm>
+            <a:off x="4182424" y="676062"/>
+            <a:ext cx="4304494" cy="276999"/>
+          </a:xfrm>
+          <a:prstGeom prst="rect">
+            <a:avLst/>
+          </a:prstGeom>
+          <a:noFill/>
+        </p:spPr>
+        <p:txBody>
+          <a:bodyPr wrap="square" rtlCol="0">
+            <a:spAutoFit/>
+          </a:bodyPr>
+          <a:lstStyle/>
+          <a:p>
+            <a:pPr marL="171450" indent="-171450">
+              <a:buFont typeface="Arial" panose="020B0604020202020204" pitchFamily="34" charset="0"/>
+              <a:buChar char="•"/>
+            </a:pPr>
+            <a:r>
+              <a:rPr lang="ko-KR" altLang="en-US" sz="1200" dirty="0"/>
+              <a:t>뒤로 가기 버튼</a:t>
+            </a:r>
+          </a:p>
+        </p:txBody>
+      </p:sp>
+      <p:sp>
+        <p:nvSpPr>
+          <p:cNvPr id="12" name="TextBox 11">
+            <a:extLst>
+              <a:ext uri="{FF2B5EF4-FFF2-40B4-BE49-F238E27FC236}">
+                <a16:creationId xmlns:a16="http://schemas.microsoft.com/office/drawing/2014/main" id="{2723D232-A5EE-4472-AE6B-35955F0F2A55}"/>
+              </a:ext>
+            </a:extLst>
+          </p:cNvPr>
+          <p:cNvSpPr txBox="1"/>
+          <p:nvPr/>
+        </p:nvSpPr>
+        <p:spPr>
+          <a:xfrm>
+            <a:off x="4182424" y="2698617"/>
+            <a:ext cx="4304494" cy="1384995"/>
+          </a:xfrm>
+          <a:prstGeom prst="rect">
+            <a:avLst/>
+          </a:prstGeom>
+          <a:noFill/>
+        </p:spPr>
+        <p:txBody>
+          <a:bodyPr wrap="square" rtlCol="0">
+            <a:spAutoFit/>
+          </a:bodyPr>
+          <a:lstStyle/>
+          <a:p>
+            <a:pPr marL="171450" indent="-171450">
+              <a:buFont typeface="Arial" panose="020B0604020202020204" pitchFamily="34" charset="0"/>
+              <a:buChar char="•"/>
+            </a:pPr>
+            <a:r>
+              <a:rPr lang="ko-KR" altLang="en-US" sz="1200" dirty="0"/>
+              <a:t>보유하고 있는 공은 활성화 상태로 표시</a:t>
+            </a:r>
+            <a:endParaRPr lang="en-US" altLang="ko-KR" sz="1200" dirty="0"/>
+          </a:p>
+          <a:p>
+            <a:pPr marL="628650" lvl="1" indent="-171450">
+              <a:buFont typeface="Arial" panose="020B0604020202020204" pitchFamily="34" charset="0"/>
+              <a:buChar char="•"/>
+            </a:pPr>
+            <a:r>
+              <a:rPr lang="ko-KR" altLang="en-US" sz="1200" dirty="0"/>
+              <a:t>공의 등급 표시</a:t>
+            </a:r>
+            <a:endParaRPr lang="en-US" altLang="ko-KR" sz="1200" dirty="0"/>
+          </a:p>
+          <a:p>
+            <a:pPr marL="628650" lvl="1" indent="-171450">
+              <a:buFont typeface="Arial" panose="020B0604020202020204" pitchFamily="34" charset="0"/>
+              <a:buChar char="•"/>
+            </a:pPr>
+            <a:r>
+              <a:rPr lang="ko-KR" altLang="en-US" sz="1200" dirty="0"/>
+              <a:t>현재 장착 중인 공은 상단에 핀셋을 꽂아 표시</a:t>
+            </a:r>
+            <a:endParaRPr lang="en-US" altLang="ko-KR" sz="1200" dirty="0"/>
+          </a:p>
+          <a:p>
+            <a:pPr marL="628650" lvl="1" indent="-171450">
+              <a:buFont typeface="Arial" panose="020B0604020202020204" pitchFamily="34" charset="0"/>
+              <a:buChar char="•"/>
+            </a:pPr>
+            <a:r>
+              <a:rPr lang="ko-KR" altLang="en-US" sz="1200" dirty="0"/>
+              <a:t>기본 공 스킨도 표시되어야 함</a:t>
+            </a:r>
+            <a:r>
+              <a:rPr lang="en-US" altLang="ko-KR" sz="1200"/>
+              <a:t>.</a:t>
+            </a:r>
+            <a:endParaRPr lang="en-US" altLang="ko-KR" sz="1200" dirty="0"/>
+          </a:p>
+          <a:p>
+            <a:pPr marL="171450" indent="-171450">
+              <a:buFont typeface="Arial" panose="020B0604020202020204" pitchFamily="34" charset="0"/>
+              <a:buChar char="•"/>
+            </a:pPr>
+            <a:r>
+              <a:rPr lang="ko-KR" altLang="en-US" sz="1200" dirty="0"/>
+              <a:t>활성화되어 있고</a:t>
+            </a:r>
+            <a:r>
+              <a:rPr lang="en-US" altLang="ko-KR" sz="1200" dirty="0"/>
+              <a:t>, </a:t>
+            </a:r>
+            <a:r>
+              <a:rPr lang="ko-KR" altLang="en-US" sz="1200" dirty="0"/>
+              <a:t>장착 중이지 않은 공을 터치하면</a:t>
+            </a:r>
+            <a:r>
+              <a:rPr lang="en-US" altLang="ko-KR" sz="1200" dirty="0"/>
+              <a:t> </a:t>
+            </a:r>
+            <a:r>
+              <a:rPr lang="ko-KR" altLang="en-US" sz="1200" dirty="0"/>
+              <a:t>터치한 공의 모습으로 스킨 변경</a:t>
+            </a:r>
+            <a:r>
+              <a:rPr lang="en-US" altLang="ko-KR" sz="1200" dirty="0"/>
+              <a:t>.</a:t>
+            </a:r>
+          </a:p>
+          <a:p>
+            <a:pPr marL="171450" indent="-171450">
+              <a:buFont typeface="Arial" panose="020B0604020202020204" pitchFamily="34" charset="0"/>
+              <a:buChar char="•"/>
+            </a:pPr>
+            <a:r>
+              <a:rPr lang="ko-KR" altLang="en-US" sz="1200" dirty="0"/>
+              <a:t>장착 중인 공은 터치해도 피드백 없음</a:t>
+            </a:r>
+            <a:r>
+              <a:rPr lang="en-US" altLang="ko-KR" sz="1200" dirty="0"/>
+              <a:t>.</a:t>
+            </a:r>
+          </a:p>
+        </p:txBody>
+      </p:sp>
+      <p:sp>
+        <p:nvSpPr>
+          <p:cNvPr id="13" name="TextBox 12">
+            <a:extLst>
+              <a:ext uri="{FF2B5EF4-FFF2-40B4-BE49-F238E27FC236}">
+                <a16:creationId xmlns:a16="http://schemas.microsoft.com/office/drawing/2014/main" id="{3171D712-7295-49EA-965E-A82E0CE5D592}"/>
+              </a:ext>
+            </a:extLst>
+          </p:cNvPr>
+          <p:cNvSpPr txBox="1"/>
+          <p:nvPr/>
+        </p:nvSpPr>
+        <p:spPr>
+          <a:xfrm>
+            <a:off x="4182424" y="4285775"/>
+            <a:ext cx="4304494" cy="276999"/>
+          </a:xfrm>
+          <a:prstGeom prst="rect">
+            <a:avLst/>
+          </a:prstGeom>
+          <a:noFill/>
+        </p:spPr>
+        <p:txBody>
+          <a:bodyPr wrap="square" rtlCol="0">
+            <a:spAutoFit/>
+          </a:bodyPr>
+          <a:lstStyle/>
+          <a:p>
+            <a:pPr marL="171450" indent="-171450">
+              <a:buFont typeface="Arial" panose="020B0604020202020204" pitchFamily="34" charset="0"/>
+              <a:buChar char="•"/>
+            </a:pPr>
+            <a:r>
+              <a:rPr lang="ko-KR" altLang="en-US" sz="1200" dirty="0"/>
+              <a:t>보유하고 있지 않은 공은 비활성화 상태 표시</a:t>
+            </a:r>
+            <a:endParaRPr lang="en-US" altLang="ko-KR" sz="1200" dirty="0"/>
+          </a:p>
+        </p:txBody>
+      </p:sp>
+      <p:sp>
+        <p:nvSpPr>
+          <p:cNvPr id="14" name="TextBox 13">
+            <a:extLst>
+              <a:ext uri="{FF2B5EF4-FFF2-40B4-BE49-F238E27FC236}">
+                <a16:creationId xmlns:a16="http://schemas.microsoft.com/office/drawing/2014/main" id="{94A29AE6-CF1C-4BDC-9039-C23122E7F5F8}"/>
+              </a:ext>
+            </a:extLst>
+          </p:cNvPr>
+          <p:cNvSpPr txBox="1"/>
+          <p:nvPr/>
+        </p:nvSpPr>
+        <p:spPr>
+          <a:xfrm>
+            <a:off x="4182424" y="5307368"/>
+            <a:ext cx="4304494" cy="276999"/>
+          </a:xfrm>
+          <a:prstGeom prst="rect">
+            <a:avLst/>
+          </a:prstGeom>
+          <a:noFill/>
+        </p:spPr>
+        <p:txBody>
+          <a:bodyPr wrap="square" rtlCol="0">
+            <a:spAutoFit/>
+          </a:bodyPr>
+          <a:lstStyle/>
+          <a:p>
+            <a:pPr marL="171450" indent="-171450">
+              <a:buFont typeface="Arial" panose="020B0604020202020204" pitchFamily="34" charset="0"/>
+              <a:buChar char="•"/>
+            </a:pPr>
+            <a:r>
+              <a:rPr lang="ko-KR" altLang="en-US" sz="1200"/>
+              <a:t>재화 뽑기 버튼</a:t>
+            </a:r>
+            <a:endParaRPr lang="en-US" altLang="ko-KR" sz="1200" dirty="0"/>
+          </a:p>
+        </p:txBody>
+      </p:sp>
+      <p:sp>
+        <p:nvSpPr>
+          <p:cNvPr id="15" name="TextBox 14">
+            <a:extLst>
+              <a:ext uri="{FF2B5EF4-FFF2-40B4-BE49-F238E27FC236}">
+                <a16:creationId xmlns:a16="http://schemas.microsoft.com/office/drawing/2014/main" id="{CFC04582-FC1A-44C4-AFF4-349772B23061}"/>
+              </a:ext>
+            </a:extLst>
+          </p:cNvPr>
+          <p:cNvSpPr txBox="1"/>
+          <p:nvPr/>
+        </p:nvSpPr>
+        <p:spPr>
+          <a:xfrm>
+            <a:off x="4182424" y="5766439"/>
+            <a:ext cx="4304494" cy="276999"/>
+          </a:xfrm>
+          <a:prstGeom prst="rect">
+            <a:avLst/>
+          </a:prstGeom>
+          <a:noFill/>
+        </p:spPr>
+        <p:txBody>
+          <a:bodyPr wrap="square" rtlCol="0">
+            <a:spAutoFit/>
+          </a:bodyPr>
+          <a:lstStyle/>
+          <a:p>
+            <a:pPr marL="171450" indent="-171450">
+              <a:buFont typeface="Arial" panose="020B0604020202020204" pitchFamily="34" charset="0"/>
+              <a:buChar char="•"/>
+            </a:pPr>
+            <a:r>
+              <a:rPr lang="ko-KR" altLang="en-US" sz="1200" dirty="0"/>
+              <a:t>광고 뽑기 버튼</a:t>
+            </a:r>
+            <a:endParaRPr lang="en-US" altLang="ko-KR" sz="1200" dirty="0"/>
+          </a:p>
+        </p:txBody>
+      </p:sp>
+      <p:sp>
+        <p:nvSpPr>
+          <p:cNvPr id="16" name="직사각형 15">
+            <a:extLst>
+              <a:ext uri="{FF2B5EF4-FFF2-40B4-BE49-F238E27FC236}">
+                <a16:creationId xmlns:a16="http://schemas.microsoft.com/office/drawing/2014/main" id="{2ED351F3-2F4F-4E2C-B7BB-4C1A030C53E8}"/>
+              </a:ext>
+            </a:extLst>
+          </p:cNvPr>
+          <p:cNvSpPr/>
+          <p:nvPr/>
+        </p:nvSpPr>
+        <p:spPr>
+          <a:xfrm>
+            <a:off x="2313922" y="1050365"/>
+            <a:ext cx="1199012" cy="617674"/>
+          </a:xfrm>
+          <a:prstGeom prst="rect">
+            <a:avLst/>
+          </a:prstGeom>
+          <a:noFill/>
+          <a:ln w="28575">
+            <a:solidFill>
+              <a:srgbClr val="FF0000"/>
+            </a:solidFill>
+          </a:ln>
+        </p:spPr>
+        <p:style>
+          <a:lnRef idx="2">
+            <a:schemeClr val="accent1">
+              <a:shade val="50000"/>
+            </a:schemeClr>
+          </a:lnRef>
+          <a:fillRef idx="1">
+            <a:schemeClr val="accent1"/>
+          </a:fillRef>
+          <a:effectRef idx="0">
+            <a:schemeClr val="accent1"/>
+          </a:effectRef>
+          <a:fontRef idx="minor">
+            <a:schemeClr val="lt1"/>
+          </a:fontRef>
+        </p:style>
+        <p:txBody>
+          <a:bodyPr rtlCol="0" anchor="ctr"/>
+          <a:lstStyle/>
+          <a:p>
+            <a:pPr algn="ctr"/>
+            <a:endParaRPr lang="ko-KR" altLang="en-US"/>
+          </a:p>
+        </p:txBody>
+      </p:sp>
+      <p:cxnSp>
+        <p:nvCxnSpPr>
+          <p:cNvPr id="17" name="연결선: 꺾임 16">
+            <a:extLst>
+              <a:ext uri="{FF2B5EF4-FFF2-40B4-BE49-F238E27FC236}">
+                <a16:creationId xmlns:a16="http://schemas.microsoft.com/office/drawing/2014/main" id="{6012F45B-CB9F-47D9-8B28-FA115B1FAA62}"/>
+              </a:ext>
+            </a:extLst>
+          </p:cNvPr>
+          <p:cNvCxnSpPr>
+            <a:cxnSpLocks/>
+            <a:stCxn id="16" idx="3"/>
+            <a:endCxn id="7" idx="1"/>
+          </p:cNvCxnSpPr>
+          <p:nvPr/>
+        </p:nvCxnSpPr>
+        <p:spPr>
+          <a:xfrm flipV="1">
+            <a:off x="3512934" y="1329365"/>
+            <a:ext cx="669490" cy="29837"/>
+          </a:xfrm>
+          <a:prstGeom prst="bentConnector3">
+            <a:avLst>
+              <a:gd name="adj1" fmla="val 50000"/>
+            </a:avLst>
+          </a:prstGeom>
+          <a:ln w="28575">
+            <a:solidFill>
+              <a:srgbClr val="FF0000"/>
+            </a:solidFill>
+            <a:tailEnd type="triangle"/>
+          </a:ln>
+        </p:spPr>
+        <p:style>
+          <a:lnRef idx="1">
+            <a:schemeClr val="accent1"/>
+          </a:lnRef>
+          <a:fillRef idx="0">
+            <a:schemeClr val="accent1"/>
+          </a:fillRef>
+          <a:effectRef idx="0">
+            <a:schemeClr val="accent1"/>
+          </a:effectRef>
+          <a:fontRef idx="minor">
+            <a:schemeClr val="tx1"/>
+          </a:fontRef>
+        </p:style>
+      </p:cxnSp>
+      <p:sp>
+        <p:nvSpPr>
+          <p:cNvPr id="21" name="직사각형 20">
+            <a:extLst>
+              <a:ext uri="{FF2B5EF4-FFF2-40B4-BE49-F238E27FC236}">
+                <a16:creationId xmlns:a16="http://schemas.microsoft.com/office/drawing/2014/main" id="{537F7C70-C958-41A4-A891-BB2E5EEB946A}"/>
+              </a:ext>
+            </a:extLst>
+          </p:cNvPr>
+          <p:cNvSpPr/>
+          <p:nvPr/>
+        </p:nvSpPr>
+        <p:spPr>
+          <a:xfrm>
+            <a:off x="180861" y="1050365"/>
+            <a:ext cx="862198" cy="617674"/>
+          </a:xfrm>
+          <a:prstGeom prst="rect">
+            <a:avLst/>
+          </a:prstGeom>
+          <a:noFill/>
+          <a:ln w="28575">
+            <a:solidFill>
+              <a:srgbClr val="FF0000"/>
+            </a:solidFill>
+          </a:ln>
+        </p:spPr>
+        <p:style>
+          <a:lnRef idx="2">
+            <a:schemeClr val="accent1">
+              <a:shade val="50000"/>
+            </a:schemeClr>
+          </a:lnRef>
+          <a:fillRef idx="1">
+            <a:schemeClr val="accent1"/>
+          </a:fillRef>
+          <a:effectRef idx="0">
+            <a:schemeClr val="accent1"/>
+          </a:effectRef>
+          <a:fontRef idx="minor">
+            <a:schemeClr val="lt1"/>
+          </a:fontRef>
+        </p:style>
+        <p:txBody>
+          <a:bodyPr rtlCol="0" anchor="ctr"/>
+          <a:lstStyle/>
+          <a:p>
+            <a:pPr algn="ctr"/>
+            <a:endParaRPr lang="ko-KR" altLang="en-US"/>
+          </a:p>
+        </p:txBody>
+      </p:sp>
+      <p:cxnSp>
+        <p:nvCxnSpPr>
+          <p:cNvPr id="22" name="연결선: 꺾임 21">
+            <a:extLst>
+              <a:ext uri="{FF2B5EF4-FFF2-40B4-BE49-F238E27FC236}">
+                <a16:creationId xmlns:a16="http://schemas.microsoft.com/office/drawing/2014/main" id="{5B6D1254-A165-42BC-AB51-1003CE41B5AF}"/>
+              </a:ext>
+            </a:extLst>
+          </p:cNvPr>
+          <p:cNvCxnSpPr>
+            <a:cxnSpLocks/>
+            <a:stCxn id="21" idx="0"/>
+            <a:endCxn id="11" idx="1"/>
+          </p:cNvCxnSpPr>
+          <p:nvPr/>
+        </p:nvCxnSpPr>
+        <p:spPr>
+          <a:xfrm rot="5400000" flipH="1" flipV="1">
+            <a:off x="2279291" y="-852768"/>
+            <a:ext cx="235803" cy="3570464"/>
+          </a:xfrm>
+          <a:prstGeom prst="bentConnector2">
+            <a:avLst/>
+          </a:prstGeom>
+          <a:ln w="28575">
+            <a:solidFill>
+              <a:srgbClr val="FF0000"/>
+            </a:solidFill>
+            <a:tailEnd type="triangle"/>
+          </a:ln>
+        </p:spPr>
+        <p:style>
+          <a:lnRef idx="1">
+            <a:schemeClr val="accent1"/>
+          </a:lnRef>
+          <a:fillRef idx="0">
+            <a:schemeClr val="accent1"/>
+          </a:fillRef>
+          <a:effectRef idx="0">
+            <a:schemeClr val="accent1"/>
+          </a:effectRef>
+          <a:fontRef idx="minor">
+            <a:schemeClr val="tx1"/>
+          </a:fontRef>
+        </p:style>
+      </p:cxnSp>
+      <p:sp>
+        <p:nvSpPr>
+          <p:cNvPr id="25" name="직사각형 24">
+            <a:extLst>
+              <a:ext uri="{FF2B5EF4-FFF2-40B4-BE49-F238E27FC236}">
+                <a16:creationId xmlns:a16="http://schemas.microsoft.com/office/drawing/2014/main" id="{4D63E019-D335-4D68-A598-937DEC8655F2}"/>
+              </a:ext>
+            </a:extLst>
+          </p:cNvPr>
+          <p:cNvSpPr/>
+          <p:nvPr/>
+        </p:nvSpPr>
+        <p:spPr>
+          <a:xfrm>
+            <a:off x="237758" y="2698617"/>
+            <a:ext cx="3157927" cy="1073856"/>
+          </a:xfrm>
+          <a:prstGeom prst="rect">
+            <a:avLst/>
+          </a:prstGeom>
+          <a:noFill/>
+          <a:ln w="28575">
+            <a:solidFill>
+              <a:srgbClr val="FF0000"/>
+            </a:solidFill>
+          </a:ln>
+        </p:spPr>
+        <p:style>
+          <a:lnRef idx="2">
+            <a:schemeClr val="accent1">
+              <a:shade val="50000"/>
+            </a:schemeClr>
+          </a:lnRef>
+          <a:fillRef idx="1">
+            <a:schemeClr val="accent1"/>
+          </a:fillRef>
+          <a:effectRef idx="0">
+            <a:schemeClr val="accent1"/>
+          </a:effectRef>
+          <a:fontRef idx="minor">
+            <a:schemeClr val="lt1"/>
+          </a:fontRef>
+        </p:style>
+        <p:txBody>
+          <a:bodyPr rtlCol="0" anchor="ctr"/>
+          <a:lstStyle/>
+          <a:p>
+            <a:pPr algn="ctr"/>
+            <a:endParaRPr lang="ko-KR" altLang="en-US"/>
+          </a:p>
+        </p:txBody>
+      </p:sp>
+      <p:cxnSp>
+        <p:nvCxnSpPr>
+          <p:cNvPr id="26" name="연결선: 꺾임 25">
+            <a:extLst>
+              <a:ext uri="{FF2B5EF4-FFF2-40B4-BE49-F238E27FC236}">
+                <a16:creationId xmlns:a16="http://schemas.microsoft.com/office/drawing/2014/main" id="{F29F5345-0344-4B2B-8C5F-B1F01A14DD59}"/>
+              </a:ext>
+            </a:extLst>
+          </p:cNvPr>
+          <p:cNvCxnSpPr>
+            <a:cxnSpLocks/>
+            <a:stCxn id="25" idx="3"/>
+            <a:endCxn id="12" idx="1"/>
+          </p:cNvCxnSpPr>
+          <p:nvPr/>
+        </p:nvCxnSpPr>
+        <p:spPr>
+          <a:xfrm>
+            <a:off x="3395685" y="3235545"/>
+            <a:ext cx="786739" cy="155570"/>
+          </a:xfrm>
+          <a:prstGeom prst="bentConnector3">
+            <a:avLst>
+              <a:gd name="adj1" fmla="val 50000"/>
+            </a:avLst>
+          </a:prstGeom>
+          <a:ln w="28575">
+            <a:solidFill>
+              <a:srgbClr val="FF0000"/>
+            </a:solidFill>
+            <a:tailEnd type="triangle"/>
+          </a:ln>
+        </p:spPr>
+        <p:style>
+          <a:lnRef idx="1">
+            <a:schemeClr val="accent1"/>
+          </a:lnRef>
+          <a:fillRef idx="0">
+            <a:schemeClr val="accent1"/>
+          </a:fillRef>
+          <a:effectRef idx="0">
+            <a:schemeClr val="accent1"/>
+          </a:effectRef>
+          <a:fontRef idx="minor">
+            <a:schemeClr val="tx1"/>
+          </a:fontRef>
+        </p:style>
+      </p:cxnSp>
+      <p:sp>
+        <p:nvSpPr>
+          <p:cNvPr id="31" name="직사각형 30">
+            <a:extLst>
+              <a:ext uri="{FF2B5EF4-FFF2-40B4-BE49-F238E27FC236}">
+                <a16:creationId xmlns:a16="http://schemas.microsoft.com/office/drawing/2014/main" id="{8BF13E28-9A9E-4974-B4DE-AA8345588C96}"/>
+              </a:ext>
+            </a:extLst>
+          </p:cNvPr>
+          <p:cNvSpPr/>
+          <p:nvPr/>
+        </p:nvSpPr>
+        <p:spPr>
+          <a:xfrm>
+            <a:off x="237757" y="3830268"/>
+            <a:ext cx="3157927" cy="1927595"/>
+          </a:xfrm>
+          <a:prstGeom prst="rect">
+            <a:avLst/>
+          </a:prstGeom>
+          <a:noFill/>
+          <a:ln w="28575">
+            <a:solidFill>
+              <a:srgbClr val="FF0000"/>
+            </a:solidFill>
+          </a:ln>
+        </p:spPr>
+        <p:style>
+          <a:lnRef idx="2">
+            <a:schemeClr val="accent1">
+              <a:shade val="50000"/>
+            </a:schemeClr>
+          </a:lnRef>
+          <a:fillRef idx="1">
+            <a:schemeClr val="accent1"/>
+          </a:fillRef>
+          <a:effectRef idx="0">
+            <a:schemeClr val="accent1"/>
+          </a:effectRef>
+          <a:fontRef idx="minor">
+            <a:schemeClr val="lt1"/>
+          </a:fontRef>
+        </p:style>
+        <p:txBody>
+          <a:bodyPr rtlCol="0" anchor="ctr"/>
+          <a:lstStyle/>
+          <a:p>
+            <a:pPr algn="ctr"/>
+            <a:endParaRPr lang="ko-KR" altLang="en-US"/>
+          </a:p>
+        </p:txBody>
+      </p:sp>
+      <p:cxnSp>
+        <p:nvCxnSpPr>
+          <p:cNvPr id="32" name="연결선: 꺾임 31">
+            <a:extLst>
+              <a:ext uri="{FF2B5EF4-FFF2-40B4-BE49-F238E27FC236}">
+                <a16:creationId xmlns:a16="http://schemas.microsoft.com/office/drawing/2014/main" id="{7A70102F-FAE1-4A3D-9178-9F7FCE164EDF}"/>
+              </a:ext>
+            </a:extLst>
+          </p:cNvPr>
+          <p:cNvCxnSpPr>
+            <a:cxnSpLocks/>
+            <a:stCxn id="31" idx="3"/>
+            <a:endCxn id="13" idx="1"/>
+          </p:cNvCxnSpPr>
+          <p:nvPr/>
+        </p:nvCxnSpPr>
+        <p:spPr>
+          <a:xfrm flipV="1">
+            <a:off x="3395684" y="4424275"/>
+            <a:ext cx="786740" cy="369791"/>
+          </a:xfrm>
+          <a:prstGeom prst="bentConnector3">
+            <a:avLst>
+              <a:gd name="adj1" fmla="val 50000"/>
+            </a:avLst>
+          </a:prstGeom>
+          <a:ln w="28575">
+            <a:solidFill>
+              <a:srgbClr val="FF0000"/>
+            </a:solidFill>
+            <a:tailEnd type="triangle"/>
+          </a:ln>
+        </p:spPr>
+        <p:style>
+          <a:lnRef idx="1">
+            <a:schemeClr val="accent1"/>
+          </a:lnRef>
+          <a:fillRef idx="0">
+            <a:schemeClr val="accent1"/>
+          </a:fillRef>
+          <a:effectRef idx="0">
+            <a:schemeClr val="accent1"/>
+          </a:effectRef>
+          <a:fontRef idx="minor">
+            <a:schemeClr val="tx1"/>
+          </a:fontRef>
+        </p:style>
+      </p:cxnSp>
+      <p:sp>
+        <p:nvSpPr>
+          <p:cNvPr id="36" name="직사각형 35">
+            <a:extLst>
+              <a:ext uri="{FF2B5EF4-FFF2-40B4-BE49-F238E27FC236}">
+                <a16:creationId xmlns:a16="http://schemas.microsoft.com/office/drawing/2014/main" id="{0D803BB0-4B6B-4361-9B07-4D370F8F4CE6}"/>
+              </a:ext>
+            </a:extLst>
+          </p:cNvPr>
+          <p:cNvSpPr/>
+          <p:nvPr/>
+        </p:nvSpPr>
+        <p:spPr>
+          <a:xfrm>
+            <a:off x="1893737" y="5918945"/>
+            <a:ext cx="1501947" cy="377826"/>
+          </a:xfrm>
+          <a:prstGeom prst="rect">
+            <a:avLst/>
+          </a:prstGeom>
+          <a:noFill/>
+          <a:ln w="28575">
+            <a:solidFill>
+              <a:srgbClr val="FF0000"/>
+            </a:solidFill>
+          </a:ln>
+        </p:spPr>
+        <p:style>
+          <a:lnRef idx="2">
+            <a:schemeClr val="accent1">
+              <a:shade val="50000"/>
+            </a:schemeClr>
+          </a:lnRef>
+          <a:fillRef idx="1">
+            <a:schemeClr val="accent1"/>
+          </a:fillRef>
+          <a:effectRef idx="0">
+            <a:schemeClr val="accent1"/>
+          </a:effectRef>
+          <a:fontRef idx="minor">
+            <a:schemeClr val="lt1"/>
+          </a:fontRef>
+        </p:style>
+        <p:txBody>
+          <a:bodyPr rtlCol="0" anchor="ctr"/>
+          <a:lstStyle/>
+          <a:p>
+            <a:pPr algn="ctr"/>
+            <a:endParaRPr lang="ko-KR" altLang="en-US"/>
+          </a:p>
+        </p:txBody>
+      </p:sp>
+      <p:sp>
+        <p:nvSpPr>
+          <p:cNvPr id="37" name="직사각형 36">
+            <a:extLst>
+              <a:ext uri="{FF2B5EF4-FFF2-40B4-BE49-F238E27FC236}">
+                <a16:creationId xmlns:a16="http://schemas.microsoft.com/office/drawing/2014/main" id="{439D7FDF-F3F9-47BC-957B-299E192F8FE4}"/>
+              </a:ext>
+            </a:extLst>
+          </p:cNvPr>
+          <p:cNvSpPr/>
+          <p:nvPr/>
+        </p:nvSpPr>
+        <p:spPr>
+          <a:xfrm>
+            <a:off x="245903" y="5923704"/>
+            <a:ext cx="1501947" cy="377826"/>
+          </a:xfrm>
+          <a:prstGeom prst="rect">
+            <a:avLst/>
+          </a:prstGeom>
+          <a:noFill/>
+          <a:ln w="28575">
+            <a:solidFill>
+              <a:srgbClr val="FF0000"/>
+            </a:solidFill>
+          </a:ln>
+        </p:spPr>
+        <p:style>
+          <a:lnRef idx="2">
+            <a:schemeClr val="accent1">
+              <a:shade val="50000"/>
+            </a:schemeClr>
+          </a:lnRef>
+          <a:fillRef idx="1">
+            <a:schemeClr val="accent1"/>
+          </a:fillRef>
+          <a:effectRef idx="0">
+            <a:schemeClr val="accent1"/>
+          </a:effectRef>
+          <a:fontRef idx="minor">
+            <a:schemeClr val="lt1"/>
+          </a:fontRef>
+        </p:style>
+        <p:txBody>
+          <a:bodyPr rtlCol="0" anchor="ctr"/>
+          <a:lstStyle/>
+          <a:p>
+            <a:pPr algn="ctr"/>
+            <a:endParaRPr lang="ko-KR" altLang="en-US"/>
+          </a:p>
+        </p:txBody>
+      </p:sp>
+      <p:cxnSp>
+        <p:nvCxnSpPr>
+          <p:cNvPr id="38" name="연결선: 꺾임 37">
+            <a:extLst>
+              <a:ext uri="{FF2B5EF4-FFF2-40B4-BE49-F238E27FC236}">
+                <a16:creationId xmlns:a16="http://schemas.microsoft.com/office/drawing/2014/main" id="{1A079C98-30A9-4EAB-841F-371A73A46F5D}"/>
+              </a:ext>
+            </a:extLst>
+          </p:cNvPr>
+          <p:cNvCxnSpPr>
+            <a:cxnSpLocks/>
+            <a:stCxn id="37" idx="0"/>
+            <a:endCxn id="14" idx="1"/>
+          </p:cNvCxnSpPr>
+          <p:nvPr/>
+        </p:nvCxnSpPr>
+        <p:spPr>
+          <a:xfrm rot="5400000" flipH="1" flipV="1">
+            <a:off x="2350732" y="4092013"/>
+            <a:ext cx="477836" cy="3185547"/>
+          </a:xfrm>
+          <a:prstGeom prst="bentConnector2">
+            <a:avLst/>
+          </a:prstGeom>
+          <a:ln w="28575">
+            <a:solidFill>
+              <a:srgbClr val="FF0000"/>
+            </a:solidFill>
+            <a:tailEnd type="triangle"/>
+          </a:ln>
+        </p:spPr>
+        <p:style>
+          <a:lnRef idx="1">
+            <a:schemeClr val="accent1"/>
+          </a:lnRef>
+          <a:fillRef idx="0">
+            <a:schemeClr val="accent1"/>
+          </a:fillRef>
+          <a:effectRef idx="0">
+            <a:schemeClr val="accent1"/>
+          </a:effectRef>
+          <a:fontRef idx="minor">
+            <a:schemeClr val="tx1"/>
+          </a:fontRef>
+        </p:style>
+      </p:cxnSp>
+      <p:cxnSp>
+        <p:nvCxnSpPr>
+          <p:cNvPr id="43" name="연결선: 꺾임 42">
+            <a:extLst>
+              <a:ext uri="{FF2B5EF4-FFF2-40B4-BE49-F238E27FC236}">
+                <a16:creationId xmlns:a16="http://schemas.microsoft.com/office/drawing/2014/main" id="{688E4C5F-E838-4BE9-8528-C249E33304B3}"/>
+              </a:ext>
+            </a:extLst>
+          </p:cNvPr>
+          <p:cNvCxnSpPr>
+            <a:cxnSpLocks/>
+            <a:stCxn id="36" idx="3"/>
+            <a:endCxn id="15" idx="1"/>
+          </p:cNvCxnSpPr>
+          <p:nvPr/>
+        </p:nvCxnSpPr>
+        <p:spPr>
+          <a:xfrm flipV="1">
+            <a:off x="3395684" y="5904939"/>
+            <a:ext cx="786740" cy="202919"/>
+          </a:xfrm>
+          <a:prstGeom prst="bentConnector3">
+            <a:avLst>
+              <a:gd name="adj1" fmla="val 50000"/>
+            </a:avLst>
+          </a:prstGeom>
+          <a:ln w="28575">
+            <a:solidFill>
+              <a:srgbClr val="FF0000"/>
+            </a:solidFill>
+            <a:tailEnd type="triangle"/>
+          </a:ln>
+        </p:spPr>
+        <p:style>
+          <a:lnRef idx="1">
+            <a:schemeClr val="accent1"/>
+          </a:lnRef>
+          <a:fillRef idx="0">
+            <a:schemeClr val="accent1"/>
+          </a:fillRef>
+          <a:effectRef idx="0">
+            <a:schemeClr val="accent1"/>
+          </a:effectRef>
+          <a:fontRef idx="minor">
+            <a:schemeClr val="tx1"/>
+          </a:fontRef>
+        </p:style>
+      </p:cxnSp>
+    </p:spTree>
+    <p:extLst>
+      <p:ext uri="{BB962C8B-B14F-4D97-AF65-F5344CB8AC3E}">
+        <p14:creationId xmlns:p14="http://schemas.microsoft.com/office/powerpoint/2010/main" val="2931809774"/>
+      </p:ext>
+    </p:extLst>
+  </p:cSld>
+  <p:clrMapOvr>
+    <a:masterClrMapping/>
+  </p:clrMapOvr>
+</p:sld>
+</file>
+
+<file path=ppt/slides/slide5.xml><?xml version="1.0" encoding="utf-8"?>
+<p:sld xmlns:a="http://schemas.openxmlformats.org/drawingml/2006/main" xmlns:r="http://schemas.openxmlformats.org/officeDocument/2006/relationships" xmlns:p="http://schemas.openxmlformats.org/presentationml/2006/main">
+  <p:cSld>
+    <p:spTree>
+      <p:nvGrpSpPr>
+        <p:cNvPr id="1" name=""/>
+        <p:cNvGrpSpPr/>
+        <p:nvPr/>
+      </p:nvGrpSpPr>
+      <p:grpSpPr>
+        <a:xfrm>
+          <a:off x="0" y="0"/>
+          <a:ext cx="0" cy="0"/>
+          <a:chOff x="0" y="0"/>
+          <a:chExt cx="0" cy="0"/>
+        </a:xfrm>
+      </p:grpSpPr>
+      <p:sp>
+        <p:nvSpPr>
+          <p:cNvPr id="4" name="TextBox 3">
+            <a:extLst>
+              <a:ext uri="{FF2B5EF4-FFF2-40B4-BE49-F238E27FC236}">
+                <a16:creationId xmlns:a16="http://schemas.microsoft.com/office/drawing/2014/main" id="{F38F34CB-158E-49E5-B7C6-F367CD51856C}"/>
+              </a:ext>
+            </a:extLst>
+          </p:cNvPr>
+          <p:cNvSpPr txBox="1"/>
+          <p:nvPr/>
+        </p:nvSpPr>
+        <p:spPr>
+          <a:xfrm>
+            <a:off x="55371" y="68925"/>
+            <a:ext cx="6565988" cy="369332"/>
+          </a:xfrm>
+          <a:prstGeom prst="rect">
+            <a:avLst/>
+          </a:prstGeom>
+          <a:noFill/>
+        </p:spPr>
+        <p:txBody>
+          <a:bodyPr wrap="square" rtlCol="0">
+            <a:spAutoFit/>
+          </a:bodyPr>
+          <a:lstStyle/>
+          <a:p>
+            <a:r>
+              <a:rPr lang="en-US" altLang="ko-KR" dirty="0"/>
+              <a:t>UI</a:t>
+            </a:r>
+            <a:endParaRPr lang="ko-KR" altLang="en-US" dirty="0"/>
+          </a:p>
+        </p:txBody>
+      </p:sp>
+      <p:cxnSp>
+        <p:nvCxnSpPr>
+          <p:cNvPr id="6" name="직선 연결선 5">
+            <a:extLst>
+              <a:ext uri="{FF2B5EF4-FFF2-40B4-BE49-F238E27FC236}">
+                <a16:creationId xmlns:a16="http://schemas.microsoft.com/office/drawing/2014/main" id="{CFEE5633-CD8F-47BD-8DCC-26E5CAA27708}"/>
+              </a:ext>
+            </a:extLst>
+          </p:cNvPr>
+          <p:cNvCxnSpPr>
+            <a:cxnSpLocks/>
+          </p:cNvCxnSpPr>
+          <p:nvPr/>
+        </p:nvCxnSpPr>
+        <p:spPr>
+          <a:xfrm>
+            <a:off x="55371" y="475017"/>
+            <a:ext cx="6565988" cy="0"/>
+          </a:xfrm>
+          <a:prstGeom prst="line">
+            <a:avLst/>
+          </a:prstGeom>
+        </p:spPr>
+        <p:style>
+          <a:lnRef idx="2">
+            <a:schemeClr val="accent2"/>
+          </a:lnRef>
+          <a:fillRef idx="0">
+            <a:schemeClr val="accent2"/>
+          </a:fillRef>
+          <a:effectRef idx="1">
+            <a:schemeClr val="accent2"/>
+          </a:effectRef>
+          <a:fontRef idx="minor">
+            <a:schemeClr val="tx1"/>
+          </a:fontRef>
+        </p:style>
+      </p:cxnSp>
+      <p:pic>
+        <p:nvPicPr>
+          <p:cNvPr id="40" name="그림 39">
+            <a:extLst>
+              <a:ext uri="{FF2B5EF4-FFF2-40B4-BE49-F238E27FC236}">
+                <a16:creationId xmlns:a16="http://schemas.microsoft.com/office/drawing/2014/main" id="{F32B72AD-4029-46F3-9676-BFC3AA5AB964}"/>
+              </a:ext>
+            </a:extLst>
+          </p:cNvPr>
+          <p:cNvPicPr>
+            <a:picLocks noChangeAspect="1"/>
+          </p:cNvPicPr>
+          <p:nvPr/>
+        </p:nvPicPr>
+        <p:blipFill>
+          <a:blip r:embed="rId2">
+            <a:extLst>
+              <a:ext uri="{28A0092B-C50C-407E-A947-70E740481C1C}">
+                <a14:useLocalDpi xmlns:a14="http://schemas.microsoft.com/office/drawing/2010/main" val="0"/>
+              </a:ext>
+            </a:extLst>
+          </a:blip>
+          <a:stretch>
+            <a:fillRect/>
+          </a:stretch>
+        </p:blipFill>
+        <p:spPr>
+          <a:xfrm>
+            <a:off x="180861" y="642199"/>
+            <a:ext cx="3291840" cy="5852160"/>
+          </a:xfrm>
+          <a:prstGeom prst="rect">
+            <a:avLst/>
+          </a:prstGeom>
+        </p:spPr>
+      </p:pic>
+      <p:sp>
+        <p:nvSpPr>
+          <p:cNvPr id="41" name="직사각형 40">
+            <a:extLst>
+              <a:ext uri="{FF2B5EF4-FFF2-40B4-BE49-F238E27FC236}">
+                <a16:creationId xmlns:a16="http://schemas.microsoft.com/office/drawing/2014/main" id="{75BFB232-93C8-4F45-809A-CAB9D273717C}"/>
+              </a:ext>
+            </a:extLst>
+          </p:cNvPr>
+          <p:cNvSpPr/>
+          <p:nvPr/>
+        </p:nvSpPr>
+        <p:spPr>
+          <a:xfrm>
+            <a:off x="180861" y="642199"/>
+            <a:ext cx="3291840" cy="5852149"/>
+          </a:xfrm>
+          <a:prstGeom prst="rect">
+            <a:avLst/>
+          </a:prstGeom>
+          <a:solidFill>
+            <a:schemeClr val="dk1">
+              <a:alpha val="50000"/>
+            </a:schemeClr>
+          </a:solidFill>
+          <a:ln>
+            <a:noFill/>
+          </a:ln>
+        </p:spPr>
+        <p:style>
+          <a:lnRef idx="2">
+            <a:schemeClr val="dk1">
+              <a:shade val="50000"/>
+            </a:schemeClr>
+          </a:lnRef>
+          <a:fillRef idx="1">
+            <a:schemeClr val="dk1"/>
+          </a:fillRef>
+          <a:effectRef idx="0">
+            <a:schemeClr val="dk1"/>
+          </a:effectRef>
+          <a:fontRef idx="minor">
+            <a:schemeClr val="lt1"/>
+          </a:fontRef>
+        </p:style>
+        <p:txBody>
+          <a:bodyPr rtlCol="0" anchor="ctr"/>
+          <a:lstStyle/>
+          <a:p>
+            <a:pPr algn="ctr"/>
+            <a:endParaRPr lang="ko-KR" altLang="en-US"/>
+          </a:p>
+        </p:txBody>
+      </p:sp>
+      <p:pic>
+        <p:nvPicPr>
+          <p:cNvPr id="42" name="그림 41">
+            <a:extLst>
+              <a:ext uri="{FF2B5EF4-FFF2-40B4-BE49-F238E27FC236}">
+                <a16:creationId xmlns:a16="http://schemas.microsoft.com/office/drawing/2014/main" id="{03D18D71-A4A3-481D-A804-899BC5701247}"/>
+              </a:ext>
+            </a:extLst>
+          </p:cNvPr>
+          <p:cNvPicPr>
+            <a:picLocks noChangeAspect="1"/>
+          </p:cNvPicPr>
+          <p:nvPr/>
+        </p:nvPicPr>
+        <p:blipFill>
+          <a:blip r:embed="rId3">
+            <a:extLst>
+              <a:ext uri="{28A0092B-C50C-407E-A947-70E740481C1C}">
+                <a14:useLocalDpi xmlns:a14="http://schemas.microsoft.com/office/drawing/2010/main" val="0"/>
+              </a:ext>
+            </a:extLst>
+          </a:blip>
+          <a:stretch>
+            <a:fillRect/>
+          </a:stretch>
+        </p:blipFill>
+        <p:spPr>
+          <a:xfrm>
+            <a:off x="883347" y="2454589"/>
+            <a:ext cx="2014732" cy="2301245"/>
+          </a:xfrm>
+          <a:prstGeom prst="rect">
+            <a:avLst/>
+          </a:prstGeom>
+        </p:spPr>
+      </p:pic>
+      <p:pic>
+        <p:nvPicPr>
+          <p:cNvPr id="44" name="그림 43">
+            <a:extLst>
+              <a:ext uri="{FF2B5EF4-FFF2-40B4-BE49-F238E27FC236}">
+                <a16:creationId xmlns:a16="http://schemas.microsoft.com/office/drawing/2014/main" id="{A3596559-FEDF-42B7-A6EB-865AEA1BD042}"/>
+              </a:ext>
+            </a:extLst>
+          </p:cNvPr>
+          <p:cNvPicPr>
+            <a:picLocks noChangeAspect="1"/>
+          </p:cNvPicPr>
+          <p:nvPr/>
+        </p:nvPicPr>
+        <p:blipFill>
+          <a:blip r:embed="rId4">
+            <a:extLst>
+              <a:ext uri="{28A0092B-C50C-407E-A947-70E740481C1C}">
+                <a14:useLocalDpi xmlns:a14="http://schemas.microsoft.com/office/drawing/2010/main" val="0"/>
+              </a:ext>
+            </a:extLst>
+          </a:blip>
+          <a:stretch>
+            <a:fillRect/>
+          </a:stretch>
+        </p:blipFill>
+        <p:spPr>
+          <a:xfrm>
+            <a:off x="1328927" y="2851873"/>
+            <a:ext cx="1123571" cy="1128012"/>
+          </a:xfrm>
+          <a:prstGeom prst="rect">
+            <a:avLst/>
+          </a:prstGeom>
+        </p:spPr>
+      </p:pic>
+      <p:pic>
+        <p:nvPicPr>
+          <p:cNvPr id="45" name="그림 44">
+            <a:extLst>
+              <a:ext uri="{FF2B5EF4-FFF2-40B4-BE49-F238E27FC236}">
+                <a16:creationId xmlns:a16="http://schemas.microsoft.com/office/drawing/2014/main" id="{E9372FA7-5F91-4B96-AAE4-443FD9438065}"/>
+              </a:ext>
+            </a:extLst>
+          </p:cNvPr>
+          <p:cNvPicPr>
+            <a:picLocks noChangeAspect="1"/>
+          </p:cNvPicPr>
+          <p:nvPr/>
+        </p:nvPicPr>
+        <p:blipFill>
+          <a:blip r:embed="rId5">
+            <a:extLst>
+              <a:ext uri="{28A0092B-C50C-407E-A947-70E740481C1C}">
+                <a14:useLocalDpi xmlns:a14="http://schemas.microsoft.com/office/drawing/2010/main" val="0"/>
+              </a:ext>
+            </a:extLst>
+          </a:blip>
+          <a:stretch>
+            <a:fillRect/>
+          </a:stretch>
+        </p:blipFill>
+        <p:spPr>
+          <a:xfrm>
+            <a:off x="1546287" y="4176206"/>
+            <a:ext cx="688849" cy="320041"/>
+          </a:xfrm>
+          <a:prstGeom prst="rect">
+            <a:avLst/>
+          </a:prstGeom>
+        </p:spPr>
+      </p:pic>
+      <p:pic>
+        <p:nvPicPr>
+          <p:cNvPr id="46" name="그림 45">
+            <a:extLst>
+              <a:ext uri="{FF2B5EF4-FFF2-40B4-BE49-F238E27FC236}">
+                <a16:creationId xmlns:a16="http://schemas.microsoft.com/office/drawing/2014/main" id="{1A79B07B-5165-4DE1-821F-BB1A97B32424}"/>
+              </a:ext>
+            </a:extLst>
+          </p:cNvPr>
+          <p:cNvPicPr>
+            <a:picLocks noChangeAspect="1"/>
+          </p:cNvPicPr>
+          <p:nvPr/>
+        </p:nvPicPr>
+        <p:blipFill>
+          <a:blip r:embed="rId6">
+            <a:extLst>
+              <a:ext uri="{28A0092B-C50C-407E-A947-70E740481C1C}">
+                <a14:useLocalDpi xmlns:a14="http://schemas.microsoft.com/office/drawing/2010/main" val="0"/>
+              </a:ext>
+            </a:extLst>
+          </a:blip>
+          <a:stretch>
+            <a:fillRect/>
+          </a:stretch>
+        </p:blipFill>
+        <p:spPr>
+          <a:xfrm>
+            <a:off x="1679066" y="3243941"/>
+            <a:ext cx="556070" cy="556070"/>
+          </a:xfrm>
+          <a:prstGeom prst="rect">
+            <a:avLst/>
+          </a:prstGeom>
+        </p:spPr>
+      </p:pic>
+      <p:sp>
+        <p:nvSpPr>
+          <p:cNvPr id="47" name="TextBox 46">
+            <a:extLst>
+              <a:ext uri="{FF2B5EF4-FFF2-40B4-BE49-F238E27FC236}">
+                <a16:creationId xmlns:a16="http://schemas.microsoft.com/office/drawing/2014/main" id="{A44466C5-4623-4D24-A58E-3C379D67AE1C}"/>
+              </a:ext>
+            </a:extLst>
+          </p:cNvPr>
+          <p:cNvSpPr txBox="1"/>
+          <p:nvPr/>
+        </p:nvSpPr>
+        <p:spPr>
+          <a:xfrm>
+            <a:off x="4182424" y="642199"/>
+            <a:ext cx="4304494" cy="461665"/>
+          </a:xfrm>
+          <a:prstGeom prst="rect">
+            <a:avLst/>
+          </a:prstGeom>
+          <a:noFill/>
+        </p:spPr>
+        <p:txBody>
+          <a:bodyPr wrap="square" rtlCol="0">
+            <a:spAutoFit/>
+          </a:bodyPr>
+          <a:lstStyle/>
+          <a:p>
+            <a:pPr marL="171450" indent="-171450">
+              <a:buFont typeface="Arial" panose="020B0604020202020204" pitchFamily="34" charset="0"/>
+              <a:buChar char="•"/>
+            </a:pPr>
+            <a:r>
+              <a:rPr lang="ko-KR" altLang="en-US" sz="1200" dirty="0"/>
+              <a:t>뽑기 버튼을 통해 획득한 공 스킨 표시</a:t>
+            </a:r>
+            <a:endParaRPr lang="en-US" altLang="ko-KR" sz="1200" dirty="0"/>
+          </a:p>
+          <a:p>
+            <a:pPr marL="171450" indent="-171450">
+              <a:buFont typeface="Arial" panose="020B0604020202020204" pitchFamily="34" charset="0"/>
+              <a:buChar char="•"/>
+            </a:pPr>
+            <a:r>
+              <a:rPr lang="ko-KR" altLang="en-US" sz="1200" dirty="0"/>
+              <a:t>어디든 터치하면 팝업이 닫힘</a:t>
+            </a:r>
+            <a:r>
+              <a:rPr lang="en-US" altLang="ko-KR" sz="1200" dirty="0"/>
+              <a:t>.</a:t>
+            </a:r>
+            <a:endParaRPr lang="ko-KR" altLang="en-US" sz="1200" dirty="0"/>
+          </a:p>
+        </p:txBody>
+      </p:sp>
+      <p:sp>
+        <p:nvSpPr>
+          <p:cNvPr id="48" name="직사각형 47">
+            <a:extLst>
+              <a:ext uri="{FF2B5EF4-FFF2-40B4-BE49-F238E27FC236}">
+                <a16:creationId xmlns:a16="http://schemas.microsoft.com/office/drawing/2014/main" id="{633E1ED4-18C9-4297-92E3-5B191C4CF8E6}"/>
+              </a:ext>
+            </a:extLst>
+          </p:cNvPr>
+          <p:cNvSpPr/>
+          <p:nvPr/>
+        </p:nvSpPr>
+        <p:spPr>
+          <a:xfrm>
+            <a:off x="758088" y="2299173"/>
+            <a:ext cx="2285149" cy="2625252"/>
+          </a:xfrm>
+          <a:prstGeom prst="rect">
+            <a:avLst/>
+          </a:prstGeom>
+          <a:noFill/>
+          <a:ln w="28575">
+            <a:solidFill>
+              <a:srgbClr val="FF0000"/>
+            </a:solidFill>
+          </a:ln>
+        </p:spPr>
+        <p:style>
+          <a:lnRef idx="2">
+            <a:schemeClr val="accent1">
+              <a:shade val="50000"/>
+            </a:schemeClr>
+          </a:lnRef>
+          <a:fillRef idx="1">
+            <a:schemeClr val="accent1"/>
+          </a:fillRef>
+          <a:effectRef idx="0">
+            <a:schemeClr val="accent1"/>
+          </a:effectRef>
+          <a:fontRef idx="minor">
+            <a:schemeClr val="lt1"/>
+          </a:fontRef>
+        </p:style>
+        <p:txBody>
+          <a:bodyPr rtlCol="0" anchor="ctr"/>
+          <a:lstStyle/>
+          <a:p>
+            <a:pPr algn="ctr"/>
+            <a:endParaRPr lang="ko-KR" altLang="en-US"/>
+          </a:p>
+        </p:txBody>
+      </p:sp>
+      <p:cxnSp>
+        <p:nvCxnSpPr>
+          <p:cNvPr id="49" name="연결선: 꺾임 48">
+            <a:extLst>
+              <a:ext uri="{FF2B5EF4-FFF2-40B4-BE49-F238E27FC236}">
+                <a16:creationId xmlns:a16="http://schemas.microsoft.com/office/drawing/2014/main" id="{578AC962-C231-42FD-BB76-DB8F6B4BD8D2}"/>
+              </a:ext>
+            </a:extLst>
+          </p:cNvPr>
+          <p:cNvCxnSpPr>
+            <a:cxnSpLocks/>
+            <a:stCxn id="48" idx="3"/>
+            <a:endCxn id="47" idx="1"/>
+          </p:cNvCxnSpPr>
+          <p:nvPr/>
+        </p:nvCxnSpPr>
+        <p:spPr>
+          <a:xfrm flipV="1">
+            <a:off x="3043237" y="873032"/>
+            <a:ext cx="1139187" cy="2738767"/>
+          </a:xfrm>
+          <a:prstGeom prst="bentConnector3">
+            <a:avLst>
+              <a:gd name="adj1" fmla="val 50000"/>
+            </a:avLst>
+          </a:prstGeom>
+          <a:ln w="28575">
+            <a:solidFill>
+              <a:srgbClr val="FF0000"/>
+            </a:solidFill>
+            <a:tailEnd type="triangle"/>
+          </a:ln>
+        </p:spPr>
+        <p:style>
+          <a:lnRef idx="1">
+            <a:schemeClr val="accent1"/>
+          </a:lnRef>
+          <a:fillRef idx="0">
+            <a:schemeClr val="accent1"/>
+          </a:fillRef>
+          <a:effectRef idx="0">
+            <a:schemeClr val="accent1"/>
+          </a:effectRef>
+          <a:fontRef idx="minor">
+            <a:schemeClr val="tx1"/>
+          </a:fontRef>
+        </p:style>
+      </p:cxnSp>
+    </p:spTree>
+    <p:extLst>
+      <p:ext uri="{BB962C8B-B14F-4D97-AF65-F5344CB8AC3E}">
+        <p14:creationId xmlns:p14="http://schemas.microsoft.com/office/powerpoint/2010/main" val="2505855015"/>
+      </p:ext>
+    </p:extLst>
+  </p:cSld>
+  <p:clrMapOvr>
+    <a:masterClrMapping/>
+  </p:clrMapOvr>
+</p:sld>
+</file>
+
+<file path=ppt/slides/slide6.xml><?xml version="1.0" encoding="utf-8"?>
+<p:sld xmlns:a="http://schemas.openxmlformats.org/drawingml/2006/main" xmlns:r="http://schemas.openxmlformats.org/officeDocument/2006/relationships" xmlns:p="http://schemas.openxmlformats.org/presentationml/2006/main">
+  <p:cSld>
+    <p:spTree>
+      <p:nvGrpSpPr>
+        <p:cNvPr id="1" name=""/>
+        <p:cNvGrpSpPr/>
+        <p:nvPr/>
+      </p:nvGrpSpPr>
+      <p:grpSpPr>
+        <a:xfrm>
+          <a:off x="0" y="0"/>
+          <a:ext cx="0" cy="0"/>
+          <a:chOff x="0" y="0"/>
+          <a:chExt cx="0" cy="0"/>
+        </a:xfrm>
+      </p:grpSpPr>
+      <p:sp>
+        <p:nvSpPr>
+          <p:cNvPr id="4" name="TextBox 3">
+            <a:extLst>
+              <a:ext uri="{FF2B5EF4-FFF2-40B4-BE49-F238E27FC236}">
+                <a16:creationId xmlns:a16="http://schemas.microsoft.com/office/drawing/2014/main" id="{F38F34CB-158E-49E5-B7C6-F367CD51856C}"/>
+              </a:ext>
+            </a:extLst>
+          </p:cNvPr>
+          <p:cNvSpPr txBox="1"/>
+          <p:nvPr/>
+        </p:nvSpPr>
+        <p:spPr>
+          <a:xfrm>
+            <a:off x="55371" y="68925"/>
+            <a:ext cx="6565988" cy="369332"/>
+          </a:xfrm>
+          <a:prstGeom prst="rect">
+            <a:avLst/>
+          </a:prstGeom>
+          <a:noFill/>
+        </p:spPr>
+        <p:txBody>
+          <a:bodyPr wrap="square" rtlCol="0">
+            <a:spAutoFit/>
+          </a:bodyPr>
+          <a:lstStyle/>
+          <a:p>
+            <a:r>
+              <a:rPr lang="en-US" altLang="ko-KR" dirty="0"/>
+              <a:t>UI</a:t>
+            </a:r>
+            <a:endParaRPr lang="ko-KR" altLang="en-US" dirty="0"/>
+          </a:p>
+        </p:txBody>
+      </p:sp>
+      <p:cxnSp>
+        <p:nvCxnSpPr>
+          <p:cNvPr id="6" name="직선 연결선 5">
+            <a:extLst>
+              <a:ext uri="{FF2B5EF4-FFF2-40B4-BE49-F238E27FC236}">
+                <a16:creationId xmlns:a16="http://schemas.microsoft.com/office/drawing/2014/main" id="{CFEE5633-CD8F-47BD-8DCC-26E5CAA27708}"/>
+              </a:ext>
+            </a:extLst>
+          </p:cNvPr>
+          <p:cNvCxnSpPr>
+            <a:cxnSpLocks/>
+          </p:cNvCxnSpPr>
+          <p:nvPr/>
+        </p:nvCxnSpPr>
+        <p:spPr>
+          <a:xfrm>
+            <a:off x="55371" y="475017"/>
+            <a:ext cx="6565988" cy="0"/>
+          </a:xfrm>
+          <a:prstGeom prst="line">
+            <a:avLst/>
+          </a:prstGeom>
+        </p:spPr>
+        <p:style>
+          <a:lnRef idx="2">
+            <a:schemeClr val="accent2"/>
+          </a:lnRef>
+          <a:fillRef idx="0">
+            <a:schemeClr val="accent2"/>
+          </a:fillRef>
+          <a:effectRef idx="1">
+            <a:schemeClr val="accent2"/>
+          </a:effectRef>
+          <a:fontRef idx="minor">
+            <a:schemeClr val="tx1"/>
+          </a:fontRef>
+        </p:style>
+      </p:cxnSp>
+      <p:pic>
+        <p:nvPicPr>
+          <p:cNvPr id="40" name="그림 39">
+            <a:extLst>
+              <a:ext uri="{FF2B5EF4-FFF2-40B4-BE49-F238E27FC236}">
+                <a16:creationId xmlns:a16="http://schemas.microsoft.com/office/drawing/2014/main" id="{F32B72AD-4029-46F3-9676-BFC3AA5AB964}"/>
+              </a:ext>
+            </a:extLst>
+          </p:cNvPr>
+          <p:cNvPicPr>
+            <a:picLocks noChangeAspect="1"/>
+          </p:cNvPicPr>
+          <p:nvPr/>
+        </p:nvPicPr>
+        <p:blipFill>
+          <a:blip r:embed="rId2">
+            <a:extLst>
+              <a:ext uri="{28A0092B-C50C-407E-A947-70E740481C1C}">
+                <a14:useLocalDpi xmlns:a14="http://schemas.microsoft.com/office/drawing/2010/main" val="0"/>
+              </a:ext>
+            </a:extLst>
+          </a:blip>
+          <a:stretch>
+            <a:fillRect/>
+          </a:stretch>
+        </p:blipFill>
+        <p:spPr>
+          <a:xfrm>
+            <a:off x="180861" y="642199"/>
+            <a:ext cx="3291840" cy="5852160"/>
+          </a:xfrm>
+          <a:prstGeom prst="rect">
+            <a:avLst/>
+          </a:prstGeom>
+        </p:spPr>
+      </p:pic>
+      <p:sp>
+        <p:nvSpPr>
+          <p:cNvPr id="2" name="직사각형 1">
+            <a:extLst>
+              <a:ext uri="{FF2B5EF4-FFF2-40B4-BE49-F238E27FC236}">
+                <a16:creationId xmlns:a16="http://schemas.microsoft.com/office/drawing/2014/main" id="{372F17EA-D8C8-48A5-A2D2-FDEF381F2847}"/>
+              </a:ext>
+            </a:extLst>
+          </p:cNvPr>
+          <p:cNvSpPr/>
+          <p:nvPr/>
+        </p:nvSpPr>
+        <p:spPr>
+          <a:xfrm>
+            <a:off x="2457303" y="5976938"/>
+            <a:ext cx="881062" cy="290512"/>
+          </a:xfrm>
+          <a:prstGeom prst="rect">
+            <a:avLst/>
+          </a:prstGeom>
+          <a:solidFill>
+            <a:srgbClr val="F2BB57"/>
+          </a:solidFill>
+          <a:ln>
+            <a:noFill/>
+          </a:ln>
+        </p:spPr>
+        <p:style>
+          <a:lnRef idx="2">
+            <a:schemeClr val="accent1">
+              <a:shade val="50000"/>
+            </a:schemeClr>
+          </a:lnRef>
+          <a:fillRef idx="1">
+            <a:schemeClr val="accent1"/>
+          </a:fillRef>
+          <a:effectRef idx="0">
+            <a:schemeClr val="accent1"/>
+          </a:effectRef>
+          <a:fontRef idx="minor">
+            <a:schemeClr val="lt1"/>
+          </a:fontRef>
+        </p:style>
+        <p:txBody>
+          <a:bodyPr rtlCol="0" anchor="ctr"/>
+          <a:lstStyle/>
+          <a:p>
+            <a:pPr algn="ctr"/>
+            <a:r>
+              <a:rPr lang="en-US" altLang="ko-KR" sz="1200" b="1" dirty="0"/>
+              <a:t>22:10:11</a:t>
+            </a:r>
+            <a:endParaRPr lang="ko-KR" altLang="en-US" sz="1200" b="1" dirty="0"/>
+          </a:p>
+        </p:txBody>
+      </p:sp>
+      <p:sp>
+        <p:nvSpPr>
+          <p:cNvPr id="15" name="TextBox 14">
+            <a:extLst>
+              <a:ext uri="{FF2B5EF4-FFF2-40B4-BE49-F238E27FC236}">
+                <a16:creationId xmlns:a16="http://schemas.microsoft.com/office/drawing/2014/main" id="{1FF8986D-0040-4F09-AE8D-A0B603B60542}"/>
+              </a:ext>
+            </a:extLst>
+          </p:cNvPr>
+          <p:cNvSpPr txBox="1"/>
+          <p:nvPr/>
+        </p:nvSpPr>
+        <p:spPr>
+          <a:xfrm>
+            <a:off x="4182424" y="5660529"/>
+            <a:ext cx="6156964" cy="461665"/>
+          </a:xfrm>
+          <a:prstGeom prst="rect">
+            <a:avLst/>
+          </a:prstGeom>
+          <a:noFill/>
+        </p:spPr>
+        <p:txBody>
+          <a:bodyPr wrap="square" rtlCol="0">
+            <a:spAutoFit/>
+          </a:bodyPr>
+          <a:lstStyle/>
+          <a:p>
+            <a:pPr marL="171450" indent="-171450">
+              <a:buFont typeface="Arial" panose="020B0604020202020204" pitchFamily="34" charset="0"/>
+              <a:buChar char="•"/>
+            </a:pPr>
+            <a:r>
+              <a:rPr lang="ko-KR" altLang="en-US" sz="1200" dirty="0"/>
+              <a:t>광고 뽑기 </a:t>
+            </a:r>
+            <a:r>
+              <a:rPr lang="ko-KR" altLang="en-US" sz="1200" dirty="0" err="1"/>
+              <a:t>쿨타임이</a:t>
+            </a:r>
+            <a:r>
+              <a:rPr lang="ko-KR" altLang="en-US" sz="1200" dirty="0"/>
+              <a:t> 진행 중일 때 표시</a:t>
+            </a:r>
+            <a:r>
+              <a:rPr lang="en-US" altLang="ko-KR" sz="1200" dirty="0"/>
+              <a:t>.</a:t>
+            </a:r>
+          </a:p>
+          <a:p>
+            <a:pPr marL="171450" indent="-171450">
+              <a:buFont typeface="Arial" panose="020B0604020202020204" pitchFamily="34" charset="0"/>
+              <a:buChar char="•"/>
+            </a:pPr>
+            <a:r>
+              <a:rPr lang="ko-KR" altLang="en-US" sz="1200" dirty="0"/>
+              <a:t>남은 시간에 따라 </a:t>
+            </a:r>
+            <a:r>
+              <a:rPr lang="en-US" altLang="ko-KR" sz="1200" dirty="0"/>
+              <a:t>( HH:MM:SS ) </a:t>
+            </a:r>
+            <a:r>
+              <a:rPr lang="en-US" altLang="ko-KR" sz="1200" dirty="0">
+                <a:sym typeface="Wingdings" panose="05000000000000000000" pitchFamily="2" charset="2"/>
+              </a:rPr>
+              <a:t> ( MM:SS )  ( SS ) </a:t>
+            </a:r>
+            <a:r>
+              <a:rPr lang="ko-KR" altLang="en-US" sz="1200" dirty="0">
+                <a:sym typeface="Wingdings" panose="05000000000000000000" pitchFamily="2" charset="2"/>
+              </a:rPr>
+              <a:t>로 표시되면 좋을 것 같다</a:t>
+            </a:r>
+            <a:r>
+              <a:rPr lang="en-US" altLang="ko-KR" sz="1200" dirty="0">
+                <a:sym typeface="Wingdings" panose="05000000000000000000" pitchFamily="2" charset="2"/>
+              </a:rPr>
+              <a:t>.</a:t>
+            </a:r>
+            <a:endParaRPr lang="en-US" altLang="ko-KR" sz="1200" dirty="0"/>
+          </a:p>
+        </p:txBody>
+      </p:sp>
+      <p:cxnSp>
+        <p:nvCxnSpPr>
+          <p:cNvPr id="16" name="연결선: 꺾임 15">
+            <a:extLst>
+              <a:ext uri="{FF2B5EF4-FFF2-40B4-BE49-F238E27FC236}">
+                <a16:creationId xmlns:a16="http://schemas.microsoft.com/office/drawing/2014/main" id="{EB02BE69-7E9E-49F1-A81F-E40A399FAE56}"/>
+              </a:ext>
+            </a:extLst>
+          </p:cNvPr>
+          <p:cNvCxnSpPr>
+            <a:cxnSpLocks/>
+            <a:stCxn id="2" idx="3"/>
+            <a:endCxn id="15" idx="1"/>
+          </p:cNvCxnSpPr>
+          <p:nvPr/>
+        </p:nvCxnSpPr>
+        <p:spPr>
+          <a:xfrm flipV="1">
+            <a:off x="3338365" y="5891362"/>
+            <a:ext cx="844059" cy="230832"/>
+          </a:xfrm>
+          <a:prstGeom prst="bentConnector3">
+            <a:avLst>
+              <a:gd name="adj1" fmla="val 50000"/>
+            </a:avLst>
+          </a:prstGeom>
+          <a:ln w="28575">
+            <a:solidFill>
+              <a:srgbClr val="FF0000"/>
+            </a:solidFill>
+            <a:tailEnd type="triangle"/>
+          </a:ln>
+        </p:spPr>
+        <p:style>
+          <a:lnRef idx="1">
+            <a:schemeClr val="accent1"/>
+          </a:lnRef>
+          <a:fillRef idx="0">
+            <a:schemeClr val="accent1"/>
+          </a:fillRef>
+          <a:effectRef idx="0">
+            <a:schemeClr val="accent1"/>
+          </a:effectRef>
+          <a:fontRef idx="minor">
+            <a:schemeClr val="tx1"/>
+          </a:fontRef>
+        </p:style>
+      </p:cxnSp>
+    </p:spTree>
+    <p:extLst>
+      <p:ext uri="{BB962C8B-B14F-4D97-AF65-F5344CB8AC3E}">
+        <p14:creationId xmlns:p14="http://schemas.microsoft.com/office/powerpoint/2010/main" val="1194788779"/>
       </p:ext>
     </p:extLst>
   </p:cSld>

--- a/기획서/Shop UI V1.0.pptx
+++ b/기획서/Shop UI V1.0.pptx
@@ -130,7 +130,7 @@
   <pc:docChgLst>
     <pc:chgData name="K Chris" userId="7f9e1bb7b6b0c2b3" providerId="LiveId" clId="{AC36A845-921E-4C97-ABC4-8E7026EF28B2}"/>
     <pc:docChg chg="undo custSel addSld delSld modSld">
-      <pc:chgData name="K Chris" userId="7f9e1bb7b6b0c2b3" providerId="LiveId" clId="{AC36A845-921E-4C97-ABC4-8E7026EF28B2}" dt="2019-04-17T02:47:38.227" v="1922" actId="20577"/>
+      <pc:chgData name="K Chris" userId="7f9e1bb7b6b0c2b3" providerId="LiveId" clId="{AC36A845-921E-4C97-ABC4-8E7026EF28B2}" dt="2019-04-17T04:52:27.141" v="1923" actId="14100"/>
       <pc:docMkLst>
         <pc:docMk/>
       </pc:docMkLst>
@@ -158,7 +158,7 @@
         </pc:spChg>
       </pc:sldChg>
       <pc:sldChg chg="addSp delSp modSp add">
-        <pc:chgData name="K Chris" userId="7f9e1bb7b6b0c2b3" providerId="LiveId" clId="{AC36A845-921E-4C97-ABC4-8E7026EF28B2}" dt="2019-04-17T00:56:54.606" v="180" actId="113"/>
+        <pc:chgData name="K Chris" userId="7f9e1bb7b6b0c2b3" providerId="LiveId" clId="{AC36A845-921E-4C97-ABC4-8E7026EF28B2}" dt="2019-04-17T04:52:27.141" v="1923" actId="14100"/>
         <pc:sldMkLst>
           <pc:docMk/>
           <pc:sldMk cId="3719666295" sldId="257"/>
@@ -180,7 +180,7 @@
           </ac:spMkLst>
         </pc:spChg>
         <pc:spChg chg="add mod">
-          <ac:chgData name="K Chris" userId="7f9e1bb7b6b0c2b3" providerId="LiveId" clId="{AC36A845-921E-4C97-ABC4-8E7026EF28B2}" dt="2019-04-17T00:51:28.960" v="71"/>
+          <ac:chgData name="K Chris" userId="7f9e1bb7b6b0c2b3" providerId="LiveId" clId="{AC36A845-921E-4C97-ABC4-8E7026EF28B2}" dt="2019-04-17T04:52:27.141" v="1923" actId="14100"/>
           <ac:spMkLst>
             <pc:docMk/>
             <pc:sldMk cId="3719666295" sldId="257"/>
@@ -4390,7 +4390,7 @@
         <p:spPr>
           <a:xfrm>
             <a:off x="55371" y="68925"/>
-            <a:ext cx="11836424" cy="369332"/>
+            <a:ext cx="6565988" cy="369332"/>
           </a:xfrm>
           <a:prstGeom prst="rect">
             <a:avLst/>
